--- a/Fedyshyn Andriy/Лабораторна робота №5/Лабораторна робота №5.pptx
+++ b/Fedyshyn Andriy/Лабораторна робота №5/Лабораторна робота №5.pptx
@@ -4,6 +4,25 @@
   <p:sldMasterIdLst>
     <p:sldMasterId id="2147483648" r:id="rId1"/>
   </p:sldMasterIdLst>
+  <p:sldIdLst>
+    <p:sldId id="257" r:id="rId2"/>
+    <p:sldId id="258" r:id="rId3"/>
+    <p:sldId id="261" r:id="rId4"/>
+    <p:sldId id="262" r:id="rId5"/>
+    <p:sldId id="263" r:id="rId6"/>
+    <p:sldId id="264" r:id="rId7"/>
+    <p:sldId id="265" r:id="rId8"/>
+    <p:sldId id="266" r:id="rId9"/>
+    <p:sldId id="267" r:id="rId10"/>
+    <p:sldId id="273" r:id="rId11"/>
+    <p:sldId id="274" r:id="rId12"/>
+    <p:sldId id="268" r:id="rId13"/>
+    <p:sldId id="269" r:id="rId14"/>
+    <p:sldId id="270" r:id="rId15"/>
+    <p:sldId id="271" r:id="rId16"/>
+    <p:sldId id="259" r:id="rId17"/>
+    <p:sldId id="260" r:id="rId18"/>
+  </p:sldIdLst>
   <p:sldSz cx="9144000" cy="6858000" type="screen4x3"/>
   <p:notesSz cx="6858000" cy="9144000"/>
   <p:defaultTextStyle>
@@ -285,7 +304,7 @@
           <a:p>
             <a:fld id="{B4C71EC6-210F-42DE-9C53-41977AD35B3D}" type="datetimeFigureOut">
               <a:rPr lang="ru-RU" smtClean="0"/>
-              <a:t>12.11.2009</a:t>
+              <a:t>11.05.2016</a:t>
             </a:fld>
             <a:endParaRPr lang="ru-RU"/>
           </a:p>
@@ -450,7 +469,7 @@
           <a:p>
             <a:fld id="{B4C71EC6-210F-42DE-9C53-41977AD35B3D}" type="datetimeFigureOut">
               <a:rPr lang="ru-RU" smtClean="0"/>
-              <a:t>12.11.2009</a:t>
+              <a:t>11.05.2016</a:t>
             </a:fld>
             <a:endParaRPr lang="ru-RU"/>
           </a:p>
@@ -625,7 +644,7 @@
           <a:p>
             <a:fld id="{B4C71EC6-210F-42DE-9C53-41977AD35B3D}" type="datetimeFigureOut">
               <a:rPr lang="ru-RU" smtClean="0"/>
-              <a:t>12.11.2009</a:t>
+              <a:t>11.05.2016</a:t>
             </a:fld>
             <a:endParaRPr lang="ru-RU"/>
           </a:p>
@@ -790,7 +809,7 @@
           <a:p>
             <a:fld id="{B4C71EC6-210F-42DE-9C53-41977AD35B3D}" type="datetimeFigureOut">
               <a:rPr lang="ru-RU" smtClean="0"/>
-              <a:t>12.11.2009</a:t>
+              <a:t>11.05.2016</a:t>
             </a:fld>
             <a:endParaRPr lang="ru-RU"/>
           </a:p>
@@ -1031,7 +1050,7 @@
           <a:p>
             <a:fld id="{B4C71EC6-210F-42DE-9C53-41977AD35B3D}" type="datetimeFigureOut">
               <a:rPr lang="ru-RU" smtClean="0"/>
-              <a:t>12.11.2009</a:t>
+              <a:t>11.05.2016</a:t>
             </a:fld>
             <a:endParaRPr lang="ru-RU"/>
           </a:p>
@@ -1314,7 +1333,7 @@
           <a:p>
             <a:fld id="{B4C71EC6-210F-42DE-9C53-41977AD35B3D}" type="datetimeFigureOut">
               <a:rPr lang="ru-RU" smtClean="0"/>
-              <a:t>12.11.2009</a:t>
+              <a:t>11.05.2016</a:t>
             </a:fld>
             <a:endParaRPr lang="ru-RU"/>
           </a:p>
@@ -1731,7 +1750,7 @@
           <a:p>
             <a:fld id="{B4C71EC6-210F-42DE-9C53-41977AD35B3D}" type="datetimeFigureOut">
               <a:rPr lang="ru-RU" smtClean="0"/>
-              <a:t>12.11.2009</a:t>
+              <a:t>11.05.2016</a:t>
             </a:fld>
             <a:endParaRPr lang="ru-RU"/>
           </a:p>
@@ -1844,7 +1863,7 @@
           <a:p>
             <a:fld id="{B4C71EC6-210F-42DE-9C53-41977AD35B3D}" type="datetimeFigureOut">
               <a:rPr lang="ru-RU" smtClean="0"/>
-              <a:t>12.11.2009</a:t>
+              <a:t>11.05.2016</a:t>
             </a:fld>
             <a:endParaRPr lang="ru-RU"/>
           </a:p>
@@ -1934,7 +1953,7 @@
           <a:p>
             <a:fld id="{B4C71EC6-210F-42DE-9C53-41977AD35B3D}" type="datetimeFigureOut">
               <a:rPr lang="ru-RU" smtClean="0"/>
-              <a:t>12.11.2009</a:t>
+              <a:t>11.05.2016</a:t>
             </a:fld>
             <a:endParaRPr lang="ru-RU"/>
           </a:p>
@@ -2206,7 +2225,7 @@
           <a:p>
             <a:fld id="{B4C71EC6-210F-42DE-9C53-41977AD35B3D}" type="datetimeFigureOut">
               <a:rPr lang="ru-RU" smtClean="0"/>
-              <a:t>12.11.2009</a:t>
+              <a:t>11.05.2016</a:t>
             </a:fld>
             <a:endParaRPr lang="ru-RU"/>
           </a:p>
@@ -2454,7 +2473,7 @@
           <a:p>
             <a:fld id="{B4C71EC6-210F-42DE-9C53-41977AD35B3D}" type="datetimeFigureOut">
               <a:rPr lang="ru-RU" smtClean="0"/>
-              <a:t>12.11.2009</a:t>
+              <a:t>11.05.2016</a:t>
             </a:fld>
             <a:endParaRPr lang="ru-RU"/>
           </a:p>
@@ -2514,9 +2533,14 @@
 <p:sldMaster xmlns:a="http://schemas.openxmlformats.org/drawingml/2006/main" xmlns:r="http://schemas.openxmlformats.org/officeDocument/2006/relationships" xmlns:p="http://schemas.openxmlformats.org/presentationml/2006/main">
   <p:cSld>
     <p:bg>
-      <p:bgRef idx="1001">
-        <a:schemeClr val="bg1"/>
-      </p:bgRef>
+      <p:bgPr>
+        <a:blipFill dpi="0" rotWithShape="1">
+          <a:blip r:embed="rId13"/>
+          <a:srcRect/>
+          <a:tile tx="0" ty="0" sx="100000" sy="100000" flip="none" algn="tl"/>
+        </a:blipFill>
+        <a:effectLst/>
+      </p:bgPr>
     </p:bg>
     <p:spTree>
       <p:nvGrpSpPr>
@@ -2662,7 +2686,7 @@
           <a:p>
             <a:fld id="{B4C71EC6-210F-42DE-9C53-41977AD35B3D}" type="datetimeFigureOut">
               <a:rPr lang="ru-RU" smtClean="0"/>
-              <a:t>12.11.2009</a:t>
+              <a:t>11.05.2016</a:t>
             </a:fld>
             <a:endParaRPr lang="ru-RU"/>
           </a:p>
@@ -3013,6 +3037,4534 @@
     </p:otherStyle>
   </p:txStyles>
 </p:sldMaster>
+</file>
+
+<file path=ppt/slides/slide1.xml><?xml version="1.0" encoding="utf-8"?>
+<p:sld xmlns:a="http://schemas.openxmlformats.org/drawingml/2006/main" xmlns:r="http://schemas.openxmlformats.org/officeDocument/2006/relationships" xmlns:p="http://schemas.openxmlformats.org/presentationml/2006/main">
+  <p:cSld>
+    <p:spTree>
+      <p:nvGrpSpPr>
+        <p:cNvPr id="1" name=""/>
+        <p:cNvGrpSpPr/>
+        <p:nvPr/>
+      </p:nvGrpSpPr>
+      <p:grpSpPr>
+        <a:xfrm>
+          <a:off x="0" y="0"/>
+          <a:ext cx="0" cy="0"/>
+          <a:chOff x="0" y="0"/>
+          <a:chExt cx="0" cy="0"/>
+        </a:xfrm>
+      </p:grpSpPr>
+      <p:sp>
+        <p:nvSpPr>
+          <p:cNvPr id="2" name="Заголовок 1"/>
+          <p:cNvSpPr>
+            <a:spLocks noGrp="1"/>
+          </p:cNvSpPr>
+          <p:nvPr>
+            <p:ph type="ctrTitle"/>
+          </p:nvPr>
+        </p:nvSpPr>
+        <p:spPr>
+          <a:xfrm>
+            <a:off x="827584" y="620688"/>
+            <a:ext cx="7772400" cy="1470025"/>
+          </a:xfrm>
+        </p:spPr>
+        <p:txBody>
+          <a:bodyPr/>
+          <a:lstStyle/>
+          <a:p>
+            <a:r>
+              <a:rPr lang="uk-UA" dirty="0" smtClean="0">
+                <a:latin typeface="Times New Roman" pitchFamily="18" charset="0"/>
+                <a:cs typeface="Times New Roman" pitchFamily="18" charset="0"/>
+              </a:rPr>
+              <a:t>Лабораторна робота </a:t>
+            </a:r>
+            <a:r>
+              <a:rPr lang="uk-UA" dirty="0" smtClean="0">
+                <a:latin typeface="Times New Roman" pitchFamily="18" charset="0"/>
+                <a:cs typeface="Times New Roman" pitchFamily="18" charset="0"/>
+              </a:rPr>
+              <a:t>№5</a:t>
+            </a:r>
+            <a:endParaRPr lang="uk-UA" dirty="0">
+              <a:latin typeface="Times New Roman" pitchFamily="18" charset="0"/>
+              <a:cs typeface="Times New Roman" pitchFamily="18" charset="0"/>
+            </a:endParaRPr>
+          </a:p>
+        </p:txBody>
+      </p:sp>
+      <p:sp>
+        <p:nvSpPr>
+          <p:cNvPr id="3" name="Подзаголовок 2"/>
+          <p:cNvSpPr>
+            <a:spLocks noGrp="1"/>
+          </p:cNvSpPr>
+          <p:nvPr>
+            <p:ph type="subTitle" idx="1"/>
+          </p:nvPr>
+        </p:nvSpPr>
+        <p:spPr>
+          <a:xfrm>
+            <a:off x="1547664" y="2420888"/>
+            <a:ext cx="6400800" cy="1752600"/>
+          </a:xfrm>
+        </p:spPr>
+        <p:txBody>
+          <a:bodyPr>
+            <a:normAutofit/>
+          </a:bodyPr>
+          <a:lstStyle/>
+          <a:p>
+            <a:r>
+              <a:rPr lang="uk-UA" sz="4400" dirty="0" smtClean="0">
+                <a:solidFill>
+                  <a:schemeClr val="tx1"/>
+                </a:solidFill>
+                <a:latin typeface="Times New Roman" pitchFamily="18" charset="0"/>
+                <a:cs typeface="Times New Roman" pitchFamily="18" charset="0"/>
+              </a:rPr>
+              <a:t>«</a:t>
+            </a:r>
+            <a:r>
+              <a:rPr lang="uk-UA" sz="4400" b="1" i="1" dirty="0">
+                <a:solidFill>
+                  <a:schemeClr val="tx1"/>
+                </a:solidFill>
+                <a:latin typeface="Times New Roman" pitchFamily="18" charset="0"/>
+                <a:cs typeface="Times New Roman" pitchFamily="18" charset="0"/>
+              </a:rPr>
+              <a:t>Розгалуження та злиття в </a:t>
+            </a:r>
+            <a:r>
+              <a:rPr lang="en-US" sz="4400" b="1" i="1" dirty="0">
+                <a:solidFill>
+                  <a:schemeClr val="tx1"/>
+                </a:solidFill>
+                <a:latin typeface="Times New Roman" pitchFamily="18" charset="0"/>
+                <a:cs typeface="Times New Roman" pitchFamily="18" charset="0"/>
+              </a:rPr>
+              <a:t>GIT</a:t>
+            </a:r>
+            <a:r>
+              <a:rPr lang="uk-UA" sz="4400" dirty="0" smtClean="0">
+                <a:solidFill>
+                  <a:schemeClr val="tx1"/>
+                </a:solidFill>
+                <a:latin typeface="Times New Roman" pitchFamily="18" charset="0"/>
+                <a:cs typeface="Times New Roman" pitchFamily="18" charset="0"/>
+              </a:rPr>
+              <a:t>»</a:t>
+            </a:r>
+            <a:endParaRPr lang="uk-UA" sz="4400" dirty="0">
+              <a:solidFill>
+                <a:schemeClr val="tx1"/>
+              </a:solidFill>
+              <a:latin typeface="Times New Roman" pitchFamily="18" charset="0"/>
+              <a:cs typeface="Times New Roman" pitchFamily="18" charset="0"/>
+            </a:endParaRPr>
+          </a:p>
+        </p:txBody>
+      </p:sp>
+      <p:sp>
+        <p:nvSpPr>
+          <p:cNvPr id="4" name="TextBox 3"/>
+          <p:cNvSpPr txBox="1"/>
+          <p:nvPr/>
+        </p:nvSpPr>
+        <p:spPr>
+          <a:xfrm>
+            <a:off x="5220072" y="5085184"/>
+            <a:ext cx="3723392" cy="707886"/>
+          </a:xfrm>
+          <a:prstGeom prst="rect">
+            <a:avLst/>
+          </a:prstGeom>
+          <a:noFill/>
+        </p:spPr>
+        <p:txBody>
+          <a:bodyPr wrap="none" rtlCol="0">
+            <a:spAutoFit/>
+          </a:bodyPr>
+          <a:lstStyle/>
+          <a:p>
+            <a:r>
+              <a:rPr lang="uk-UA" sz="2000" dirty="0" smtClean="0">
+                <a:latin typeface="Times New Roman" pitchFamily="18" charset="0"/>
+                <a:cs typeface="Times New Roman" pitchFamily="18" charset="0"/>
+              </a:rPr>
+              <a:t>Виконав: студент групи ПІ-13-2 </a:t>
+            </a:r>
+            <a:br>
+              <a:rPr lang="uk-UA" sz="2000" dirty="0" smtClean="0">
+                <a:latin typeface="Times New Roman" pitchFamily="18" charset="0"/>
+                <a:cs typeface="Times New Roman" pitchFamily="18" charset="0"/>
+              </a:rPr>
+            </a:br>
+            <a:r>
+              <a:rPr lang="uk-UA" sz="2000" dirty="0" err="1" smtClean="0">
+                <a:latin typeface="Times New Roman" pitchFamily="18" charset="0"/>
+                <a:cs typeface="Times New Roman" pitchFamily="18" charset="0"/>
+              </a:rPr>
+              <a:t>Федишин</a:t>
+            </a:r>
+            <a:r>
+              <a:rPr lang="uk-UA" sz="2000" dirty="0" smtClean="0">
+                <a:latin typeface="Times New Roman" pitchFamily="18" charset="0"/>
+                <a:cs typeface="Times New Roman" pitchFamily="18" charset="0"/>
+              </a:rPr>
+              <a:t> А.Г.</a:t>
+            </a:r>
+            <a:endParaRPr lang="uk-UA" sz="2000" dirty="0">
+              <a:latin typeface="Times New Roman" pitchFamily="18" charset="0"/>
+              <a:cs typeface="Times New Roman" pitchFamily="18" charset="0"/>
+            </a:endParaRPr>
+          </a:p>
+        </p:txBody>
+      </p:sp>
+    </p:spTree>
+    <p:extLst>
+      <p:ext uri="{BB962C8B-B14F-4D97-AF65-F5344CB8AC3E}">
+        <p14:creationId xmlns:p14="http://schemas.microsoft.com/office/powerpoint/2010/main" val="4099734493"/>
+      </p:ext>
+    </p:extLst>
+  </p:cSld>
+  <p:clrMapOvr>
+    <a:masterClrMapping/>
+  </p:clrMapOvr>
+  <p:timing>
+    <p:tnLst>
+      <p:par>
+        <p:cTn id="1" dur="indefinite" restart="never" nodeType="tmRoot"/>
+      </p:par>
+    </p:tnLst>
+  </p:timing>
+</p:sld>
+</file>
+
+<file path=ppt/slides/slide10.xml><?xml version="1.0" encoding="utf-8"?>
+<p:sld xmlns:a="http://schemas.openxmlformats.org/drawingml/2006/main" xmlns:r="http://schemas.openxmlformats.org/officeDocument/2006/relationships" xmlns:p="http://schemas.openxmlformats.org/presentationml/2006/main">
+  <p:cSld>
+    <p:spTree>
+      <p:nvGrpSpPr>
+        <p:cNvPr id="1" name=""/>
+        <p:cNvGrpSpPr/>
+        <p:nvPr/>
+      </p:nvGrpSpPr>
+      <p:grpSpPr>
+        <a:xfrm>
+          <a:off x="0" y="0"/>
+          <a:ext cx="0" cy="0"/>
+          <a:chOff x="0" y="0"/>
+          <a:chExt cx="0" cy="0"/>
+        </a:xfrm>
+      </p:grpSpPr>
+      <p:sp>
+        <p:nvSpPr>
+          <p:cNvPr id="3" name="Объект 2"/>
+          <p:cNvSpPr>
+            <a:spLocks noGrp="1"/>
+          </p:cNvSpPr>
+          <p:nvPr>
+            <p:ph idx="1"/>
+          </p:nvPr>
+        </p:nvSpPr>
+        <p:spPr>
+          <a:xfrm>
+            <a:off x="457200" y="404664"/>
+            <a:ext cx="8229600" cy="5721499"/>
+          </a:xfrm>
+        </p:spPr>
+        <p:txBody>
+          <a:bodyPr/>
+          <a:lstStyle/>
+          <a:p>
+            <a:pPr marL="0" lvl="0" indent="0">
+              <a:buNone/>
+            </a:pPr>
+            <a:r>
+              <a:rPr lang="uk-UA" sz="2800" dirty="0" smtClean="0">
+                <a:latin typeface="Times New Roman" pitchFamily="18" charset="0"/>
+                <a:cs typeface="Times New Roman" pitchFamily="18" charset="0"/>
+              </a:rPr>
+              <a:t>6. Переходимо </a:t>
+            </a:r>
+            <a:r>
+              <a:rPr lang="uk-UA" sz="2800" dirty="0">
+                <a:latin typeface="Times New Roman" pitchFamily="18" charset="0"/>
+                <a:cs typeface="Times New Roman" pitchFamily="18" charset="0"/>
+              </a:rPr>
+              <a:t>на гілку «</a:t>
+            </a:r>
+            <a:r>
+              <a:rPr lang="en-US" sz="2800" dirty="0">
+                <a:latin typeface="Times New Roman" pitchFamily="18" charset="0"/>
+                <a:cs typeface="Times New Roman" pitchFamily="18" charset="0"/>
+              </a:rPr>
+              <a:t>iss91</a:t>
+            </a:r>
+            <a:r>
+              <a:rPr lang="uk-UA" sz="2800" dirty="0">
+                <a:latin typeface="Times New Roman" pitchFamily="18" charset="0"/>
+                <a:cs typeface="Times New Roman" pitchFamily="18" charset="0"/>
+              </a:rPr>
+              <a:t>»</a:t>
+            </a:r>
+          </a:p>
+          <a:p>
+            <a:pPr marL="0" indent="0">
+              <a:buNone/>
+            </a:pPr>
+            <a:r>
+              <a:rPr lang="uk-UA" sz="2800" dirty="0">
+                <a:latin typeface="Times New Roman" pitchFamily="18" charset="0"/>
+                <a:cs typeface="Times New Roman" pitchFamily="18" charset="0"/>
+              </a:rPr>
+              <a:t>Робимо зміни в одному з файлів</a:t>
+            </a:r>
+          </a:p>
+          <a:p>
+            <a:pPr marL="0" indent="0">
+              <a:buNone/>
+            </a:pPr>
+            <a:r>
+              <a:rPr lang="uk-UA" sz="2800" dirty="0">
+                <a:latin typeface="Times New Roman" pitchFamily="18" charset="0"/>
+                <a:cs typeface="Times New Roman" pitchFamily="18" charset="0"/>
+              </a:rPr>
+              <a:t>Створюємо </a:t>
+            </a:r>
+            <a:r>
+              <a:rPr lang="uk-UA" sz="2800" dirty="0" err="1">
+                <a:latin typeface="Times New Roman" pitchFamily="18" charset="0"/>
+                <a:cs typeface="Times New Roman" pitchFamily="18" charset="0"/>
+              </a:rPr>
+              <a:t>коміт</a:t>
+            </a:r>
+            <a:r>
+              <a:rPr lang="uk-UA" sz="2800" dirty="0">
+                <a:latin typeface="Times New Roman" pitchFamily="18" charset="0"/>
+                <a:cs typeface="Times New Roman" pitchFamily="18" charset="0"/>
+              </a:rPr>
+              <a:t> «С4»</a:t>
+            </a:r>
+          </a:p>
+          <a:p>
+            <a:endParaRPr lang="uk-UA" dirty="0"/>
+          </a:p>
+        </p:txBody>
+      </p:sp>
+      <p:pic>
+        <p:nvPicPr>
+          <p:cNvPr id="13314" name="Picture 2"/>
+          <p:cNvPicPr>
+            <a:picLocks noChangeAspect="1" noChangeArrowheads="1"/>
+          </p:cNvPicPr>
+          <p:nvPr/>
+        </p:nvPicPr>
+        <p:blipFill>
+          <a:blip r:embed="rId2">
+            <a:extLst>
+              <a:ext uri="{28A0092B-C50C-407E-A947-70E740481C1C}">
+                <a14:useLocalDpi xmlns:a14="http://schemas.microsoft.com/office/drawing/2010/main" val="0"/>
+              </a:ext>
+            </a:extLst>
+          </a:blip>
+          <a:srcRect/>
+          <a:stretch>
+            <a:fillRect/>
+          </a:stretch>
+        </p:blipFill>
+        <p:spPr bwMode="auto">
+          <a:xfrm>
+            <a:off x="539551" y="2420888"/>
+            <a:ext cx="8445977" cy="1632198"/>
+          </a:xfrm>
+          <a:prstGeom prst="rect">
+            <a:avLst/>
+          </a:prstGeom>
+          <a:noFill/>
+          <a:ln>
+            <a:noFill/>
+          </a:ln>
+          <a:effectLst/>
+          <a:extLst>
+            <a:ext uri="{909E8E84-426E-40DD-AFC4-6F175D3DCCD1}">
+              <a14:hiddenFill xmlns:a14="http://schemas.microsoft.com/office/drawing/2010/main">
+                <a:solidFill>
+                  <a:schemeClr val="accent1"/>
+                </a:solidFill>
+              </a14:hiddenFill>
+            </a:ext>
+            <a:ext uri="{91240B29-F687-4F45-9708-019B960494DF}">
+              <a14:hiddenLine xmlns:a14="http://schemas.microsoft.com/office/drawing/2010/main" w="9525">
+                <a:solidFill>
+                  <a:schemeClr val="tx1"/>
+                </a:solidFill>
+                <a:miter lim="800000"/>
+                <a:headEnd/>
+                <a:tailEnd/>
+              </a14:hiddenLine>
+            </a:ext>
+            <a:ext uri="{AF507438-7753-43E0-B8FC-AC1667EBCBE1}">
+              <a14:hiddenEffects xmlns:a14="http://schemas.microsoft.com/office/drawing/2010/main">
+                <a:effectLst>
+                  <a:outerShdw dist="35921" dir="2700000" algn="ctr" rotWithShape="0">
+                    <a:schemeClr val="bg2"/>
+                  </a:outerShdw>
+                </a:effectLst>
+              </a14:hiddenEffects>
+            </a:ext>
+          </a:extLst>
+        </p:spPr>
+      </p:pic>
+    </p:spTree>
+    <p:extLst>
+      <p:ext uri="{BB962C8B-B14F-4D97-AF65-F5344CB8AC3E}">
+        <p14:creationId xmlns:p14="http://schemas.microsoft.com/office/powerpoint/2010/main" val="141379440"/>
+      </p:ext>
+    </p:extLst>
+  </p:cSld>
+  <p:clrMapOvr>
+    <a:masterClrMapping/>
+  </p:clrMapOvr>
+</p:sld>
+</file>
+
+<file path=ppt/slides/slide11.xml><?xml version="1.0" encoding="utf-8"?>
+<p:sld xmlns:a="http://schemas.openxmlformats.org/drawingml/2006/main" xmlns:r="http://schemas.openxmlformats.org/officeDocument/2006/relationships" xmlns:p="http://schemas.openxmlformats.org/presentationml/2006/main">
+  <p:cSld>
+    <p:spTree>
+      <p:nvGrpSpPr>
+        <p:cNvPr id="1" name=""/>
+        <p:cNvGrpSpPr/>
+        <p:nvPr/>
+      </p:nvGrpSpPr>
+      <p:grpSpPr>
+        <a:xfrm>
+          <a:off x="0" y="0"/>
+          <a:ext cx="0" cy="0"/>
+          <a:chOff x="0" y="0"/>
+          <a:chExt cx="0" cy="0"/>
+        </a:xfrm>
+      </p:grpSpPr>
+      <p:sp>
+        <p:nvSpPr>
+          <p:cNvPr id="3" name="Объект 2"/>
+          <p:cNvSpPr>
+            <a:spLocks noGrp="1"/>
+          </p:cNvSpPr>
+          <p:nvPr>
+            <p:ph idx="1"/>
+          </p:nvPr>
+        </p:nvSpPr>
+        <p:spPr>
+          <a:xfrm>
+            <a:off x="457200" y="404664"/>
+            <a:ext cx="8229600" cy="5721499"/>
+          </a:xfrm>
+        </p:spPr>
+        <p:txBody>
+          <a:bodyPr>
+            <a:normAutofit/>
+          </a:bodyPr>
+          <a:lstStyle/>
+          <a:p>
+            <a:pPr marL="0" lvl="0" indent="0" algn="just">
+              <a:buNone/>
+            </a:pPr>
+            <a:r>
+              <a:rPr lang="uk-UA" sz="2800" dirty="0">
+                <a:latin typeface="Times New Roman" pitchFamily="18" charset="0"/>
+                <a:cs typeface="Times New Roman" pitchFamily="18" charset="0"/>
+              </a:rPr>
+              <a:t>7. Створюємо нову гілку «</a:t>
+            </a:r>
+            <a:r>
+              <a:rPr lang="en-US" sz="2800" dirty="0" err="1">
+                <a:latin typeface="Times New Roman" pitchFamily="18" charset="0"/>
+                <a:cs typeface="Times New Roman" pitchFamily="18" charset="0"/>
+              </a:rPr>
+              <a:t>iss</a:t>
+            </a:r>
+            <a:r>
+              <a:rPr lang="uk-UA" sz="2800" dirty="0">
+                <a:latin typeface="Times New Roman" pitchFamily="18" charset="0"/>
+                <a:cs typeface="Times New Roman" pitchFamily="18" charset="0"/>
+              </a:rPr>
+              <a:t>91</a:t>
+            </a:r>
+            <a:r>
+              <a:rPr lang="en-US" sz="2800" dirty="0">
+                <a:latin typeface="Times New Roman" pitchFamily="18" charset="0"/>
+                <a:cs typeface="Times New Roman" pitchFamily="18" charset="0"/>
+              </a:rPr>
+              <a:t>v</a:t>
+            </a:r>
+            <a:r>
+              <a:rPr lang="uk-UA" sz="2800" dirty="0">
+                <a:latin typeface="Times New Roman" pitchFamily="18" charset="0"/>
+                <a:cs typeface="Times New Roman" pitchFamily="18" charset="0"/>
+              </a:rPr>
+              <a:t>2» але залишаємося  на гілці «</a:t>
+            </a:r>
+            <a:r>
+              <a:rPr lang="en-US" sz="2800" dirty="0" err="1">
+                <a:latin typeface="Times New Roman" pitchFamily="18" charset="0"/>
+                <a:cs typeface="Times New Roman" pitchFamily="18" charset="0"/>
+              </a:rPr>
+              <a:t>iss</a:t>
+            </a:r>
+            <a:r>
+              <a:rPr lang="uk-UA" sz="2800" dirty="0">
+                <a:latin typeface="Times New Roman" pitchFamily="18" charset="0"/>
+                <a:cs typeface="Times New Roman" pitchFamily="18" charset="0"/>
+              </a:rPr>
+              <a:t>91»</a:t>
+            </a:r>
+          </a:p>
+          <a:p>
+            <a:pPr marL="0" indent="0" algn="just">
+              <a:buNone/>
+            </a:pPr>
+            <a:r>
+              <a:rPr lang="uk-UA" sz="2800" dirty="0">
+                <a:latin typeface="Times New Roman" pitchFamily="18" charset="0"/>
+                <a:cs typeface="Times New Roman" pitchFamily="18" charset="0"/>
+              </a:rPr>
+              <a:t>Робимо зміни в одному з файлів</a:t>
+            </a:r>
+          </a:p>
+          <a:p>
+            <a:pPr marL="0" indent="0" algn="just">
+              <a:buNone/>
+            </a:pPr>
+            <a:r>
+              <a:rPr lang="uk-UA" sz="2800" dirty="0">
+                <a:latin typeface="Times New Roman" pitchFamily="18" charset="0"/>
+                <a:cs typeface="Times New Roman" pitchFamily="18" charset="0"/>
+              </a:rPr>
+              <a:t>Створюємо </a:t>
+            </a:r>
+            <a:r>
+              <a:rPr lang="uk-UA" sz="2800" dirty="0" err="1">
+                <a:latin typeface="Times New Roman" pitchFamily="18" charset="0"/>
+                <a:cs typeface="Times New Roman" pitchFamily="18" charset="0"/>
+              </a:rPr>
+              <a:t>коміт</a:t>
+            </a:r>
+            <a:r>
+              <a:rPr lang="uk-UA" sz="2800" dirty="0">
+                <a:latin typeface="Times New Roman" pitchFamily="18" charset="0"/>
+                <a:cs typeface="Times New Roman" pitchFamily="18" charset="0"/>
+              </a:rPr>
+              <a:t> «С</a:t>
+            </a:r>
+            <a:r>
+              <a:rPr lang="ru-RU" sz="2800" dirty="0">
+                <a:latin typeface="Times New Roman" pitchFamily="18" charset="0"/>
+                <a:cs typeface="Times New Roman" pitchFamily="18" charset="0"/>
+              </a:rPr>
+              <a:t>5</a:t>
+            </a:r>
+            <a:r>
+              <a:rPr lang="uk-UA" sz="2800" dirty="0" smtClean="0">
+                <a:latin typeface="Times New Roman" pitchFamily="18" charset="0"/>
+                <a:cs typeface="Times New Roman" pitchFamily="18" charset="0"/>
+              </a:rPr>
+              <a:t>»</a:t>
+            </a:r>
+          </a:p>
+          <a:p>
+            <a:pPr marL="0" indent="0" algn="just">
+              <a:buNone/>
+            </a:pPr>
+            <a:r>
+              <a:rPr lang="uk-UA" sz="2800" dirty="0">
+                <a:latin typeface="Times New Roman" pitchFamily="18" charset="0"/>
+                <a:cs typeface="Times New Roman" pitchFamily="18" charset="0"/>
+              </a:rPr>
+              <a:t/>
+            </a:r>
+            <a:br>
+              <a:rPr lang="uk-UA" sz="2800" dirty="0">
+                <a:latin typeface="Times New Roman" pitchFamily="18" charset="0"/>
+                <a:cs typeface="Times New Roman" pitchFamily="18" charset="0"/>
+              </a:rPr>
+            </a:br>
+            <a:r>
+              <a:rPr lang="uk-UA" sz="2800" dirty="0" smtClean="0">
+                <a:latin typeface="Times New Roman" pitchFamily="18" charset="0"/>
+                <a:cs typeface="Times New Roman" pitchFamily="18" charset="0"/>
+              </a:rPr>
+              <a:t/>
+            </a:r>
+            <a:br>
+              <a:rPr lang="uk-UA" sz="2800" dirty="0" smtClean="0">
+                <a:latin typeface="Times New Roman" pitchFamily="18" charset="0"/>
+                <a:cs typeface="Times New Roman" pitchFamily="18" charset="0"/>
+              </a:rPr>
+            </a:br>
+            <a:endParaRPr lang="uk-UA" sz="2800" dirty="0">
+              <a:latin typeface="Times New Roman" pitchFamily="18" charset="0"/>
+              <a:cs typeface="Times New Roman" pitchFamily="18" charset="0"/>
+            </a:endParaRPr>
+          </a:p>
+          <a:p>
+            <a:pPr marL="0" indent="0" algn="just">
+              <a:buNone/>
+            </a:pPr>
+            <a:r>
+              <a:rPr lang="uk-UA" sz="2800" dirty="0">
+                <a:latin typeface="Times New Roman" pitchFamily="18" charset="0"/>
+                <a:cs typeface="Times New Roman" pitchFamily="18" charset="0"/>
+              </a:rPr>
+              <a:t>Робимо зміни в одному з файлів</a:t>
+            </a:r>
+          </a:p>
+          <a:p>
+            <a:pPr marL="0" indent="0" algn="just">
+              <a:buNone/>
+            </a:pPr>
+            <a:r>
+              <a:rPr lang="uk-UA" sz="2800" dirty="0">
+                <a:latin typeface="Times New Roman" pitchFamily="18" charset="0"/>
+                <a:cs typeface="Times New Roman" pitchFamily="18" charset="0"/>
+              </a:rPr>
+              <a:t>Створюємо </a:t>
+            </a:r>
+            <a:r>
+              <a:rPr lang="uk-UA" sz="2800" dirty="0" err="1">
+                <a:latin typeface="Times New Roman" pitchFamily="18" charset="0"/>
+                <a:cs typeface="Times New Roman" pitchFamily="18" charset="0"/>
+              </a:rPr>
+              <a:t>коміт</a:t>
+            </a:r>
+            <a:r>
+              <a:rPr lang="uk-UA" sz="2800" dirty="0">
+                <a:latin typeface="Times New Roman" pitchFamily="18" charset="0"/>
+                <a:cs typeface="Times New Roman" pitchFamily="18" charset="0"/>
+              </a:rPr>
+              <a:t> «С</a:t>
+            </a:r>
+            <a:r>
+              <a:rPr lang="en-US" sz="2800" dirty="0">
+                <a:latin typeface="Times New Roman" pitchFamily="18" charset="0"/>
+                <a:cs typeface="Times New Roman" pitchFamily="18" charset="0"/>
+              </a:rPr>
+              <a:t>6</a:t>
+            </a:r>
+            <a:r>
+              <a:rPr lang="uk-UA" sz="2800" dirty="0">
+                <a:latin typeface="Times New Roman" pitchFamily="18" charset="0"/>
+                <a:cs typeface="Times New Roman" pitchFamily="18" charset="0"/>
+              </a:rPr>
+              <a:t>»</a:t>
+            </a:r>
+          </a:p>
+          <a:p>
+            <a:pPr marL="0" indent="0">
+              <a:buNone/>
+            </a:pPr>
+            <a:endParaRPr lang="uk-UA" sz="2800" dirty="0"/>
+          </a:p>
+        </p:txBody>
+      </p:sp>
+      <p:pic>
+        <p:nvPicPr>
+          <p:cNvPr id="14338" name="Picture 2"/>
+          <p:cNvPicPr>
+            <a:picLocks noChangeAspect="1" noChangeArrowheads="1"/>
+          </p:cNvPicPr>
+          <p:nvPr/>
+        </p:nvPicPr>
+        <p:blipFill>
+          <a:blip r:embed="rId2">
+            <a:extLst>
+              <a:ext uri="{28A0092B-C50C-407E-A947-70E740481C1C}">
+                <a14:useLocalDpi xmlns:a14="http://schemas.microsoft.com/office/drawing/2010/main" val="0"/>
+              </a:ext>
+            </a:extLst>
+          </a:blip>
+          <a:srcRect/>
+          <a:stretch>
+            <a:fillRect/>
+          </a:stretch>
+        </p:blipFill>
+        <p:spPr bwMode="auto">
+          <a:xfrm>
+            <a:off x="611560" y="2477620"/>
+            <a:ext cx="8153067" cy="1311419"/>
+          </a:xfrm>
+          <a:prstGeom prst="rect">
+            <a:avLst/>
+          </a:prstGeom>
+          <a:noFill/>
+          <a:ln>
+            <a:noFill/>
+          </a:ln>
+          <a:effectLst/>
+          <a:extLst>
+            <a:ext uri="{909E8E84-426E-40DD-AFC4-6F175D3DCCD1}">
+              <a14:hiddenFill xmlns:a14="http://schemas.microsoft.com/office/drawing/2010/main">
+                <a:solidFill>
+                  <a:schemeClr val="accent1"/>
+                </a:solidFill>
+              </a14:hiddenFill>
+            </a:ext>
+            <a:ext uri="{91240B29-F687-4F45-9708-019B960494DF}">
+              <a14:hiddenLine xmlns:a14="http://schemas.microsoft.com/office/drawing/2010/main" w="9525">
+                <a:solidFill>
+                  <a:schemeClr val="tx1"/>
+                </a:solidFill>
+                <a:miter lim="800000"/>
+                <a:headEnd/>
+                <a:tailEnd/>
+              </a14:hiddenLine>
+            </a:ext>
+            <a:ext uri="{AF507438-7753-43E0-B8FC-AC1667EBCBE1}">
+              <a14:hiddenEffects xmlns:a14="http://schemas.microsoft.com/office/drawing/2010/main">
+                <a:effectLst>
+                  <a:outerShdw dist="35921" dir="2700000" algn="ctr" rotWithShape="0">
+                    <a:schemeClr val="bg2"/>
+                  </a:outerShdw>
+                </a:effectLst>
+              </a14:hiddenEffects>
+            </a:ext>
+          </a:extLst>
+        </p:spPr>
+      </p:pic>
+      <p:pic>
+        <p:nvPicPr>
+          <p:cNvPr id="14339" name="Рисунок 18"/>
+          <p:cNvPicPr>
+            <a:picLocks noChangeAspect="1" noChangeArrowheads="1"/>
+          </p:cNvPicPr>
+          <p:nvPr/>
+        </p:nvPicPr>
+        <p:blipFill>
+          <a:blip r:embed="rId3">
+            <a:extLst>
+              <a:ext uri="{28A0092B-C50C-407E-A947-70E740481C1C}">
+                <a14:useLocalDpi xmlns:a14="http://schemas.microsoft.com/office/drawing/2010/main" val="0"/>
+              </a:ext>
+            </a:extLst>
+          </a:blip>
+          <a:srcRect/>
+          <a:stretch>
+            <a:fillRect/>
+          </a:stretch>
+        </p:blipFill>
+        <p:spPr bwMode="auto">
+          <a:xfrm>
+            <a:off x="587532" y="4869160"/>
+            <a:ext cx="8177095" cy="936104"/>
+          </a:xfrm>
+          <a:prstGeom prst="rect">
+            <a:avLst/>
+          </a:prstGeom>
+          <a:noFill/>
+          <a:ln>
+            <a:noFill/>
+          </a:ln>
+          <a:extLst>
+            <a:ext uri="{909E8E84-426E-40DD-AFC4-6F175D3DCCD1}">
+              <a14:hiddenFill xmlns:a14="http://schemas.microsoft.com/office/drawing/2010/main">
+                <a:solidFill>
+                  <a:srgbClr val="FFFFFF"/>
+                </a:solidFill>
+              </a14:hiddenFill>
+            </a:ext>
+            <a:ext uri="{91240B29-F687-4F45-9708-019B960494DF}">
+              <a14:hiddenLine xmlns:a14="http://schemas.microsoft.com/office/drawing/2010/main" w="9525">
+                <a:solidFill>
+                  <a:srgbClr val="000000"/>
+                </a:solidFill>
+                <a:miter lim="800000"/>
+                <a:headEnd/>
+                <a:tailEnd/>
+              </a14:hiddenLine>
+            </a:ext>
+          </a:extLst>
+        </p:spPr>
+      </p:pic>
+    </p:spTree>
+    <p:extLst>
+      <p:ext uri="{BB962C8B-B14F-4D97-AF65-F5344CB8AC3E}">
+        <p14:creationId xmlns:p14="http://schemas.microsoft.com/office/powerpoint/2010/main" val="2829716589"/>
+      </p:ext>
+    </p:extLst>
+  </p:cSld>
+  <p:clrMapOvr>
+    <a:masterClrMapping/>
+  </p:clrMapOvr>
+</p:sld>
+</file>
+
+<file path=ppt/slides/slide12.xml><?xml version="1.0" encoding="utf-8"?>
+<p:sld xmlns:a="http://schemas.openxmlformats.org/drawingml/2006/main" xmlns:r="http://schemas.openxmlformats.org/officeDocument/2006/relationships" xmlns:p="http://schemas.openxmlformats.org/presentationml/2006/main">
+  <p:cSld>
+    <p:spTree>
+      <p:nvGrpSpPr>
+        <p:cNvPr id="1" name=""/>
+        <p:cNvGrpSpPr/>
+        <p:nvPr/>
+      </p:nvGrpSpPr>
+      <p:grpSpPr>
+        <a:xfrm>
+          <a:off x="0" y="0"/>
+          <a:ext cx="0" cy="0"/>
+          <a:chOff x="0" y="0"/>
+          <a:chExt cx="0" cy="0"/>
+        </a:xfrm>
+      </p:grpSpPr>
+      <p:sp>
+        <p:nvSpPr>
+          <p:cNvPr id="2" name="Прямоугольник 1"/>
+          <p:cNvSpPr/>
+          <p:nvPr/>
+        </p:nvSpPr>
+        <p:spPr>
+          <a:xfrm>
+            <a:off x="467544" y="404664"/>
+            <a:ext cx="8424936" cy="4401205"/>
+          </a:xfrm>
+          <a:prstGeom prst="rect">
+            <a:avLst/>
+          </a:prstGeom>
+        </p:spPr>
+        <p:txBody>
+          <a:bodyPr wrap="square">
+            <a:spAutoFit/>
+          </a:bodyPr>
+          <a:lstStyle/>
+          <a:p>
+            <a:pPr lvl="0"/>
+            <a:r>
+              <a:rPr lang="uk-UA" sz="2800" dirty="0" smtClean="0">
+                <a:latin typeface="Times New Roman" pitchFamily="18" charset="0"/>
+                <a:cs typeface="Times New Roman" pitchFamily="18" charset="0"/>
+              </a:rPr>
+              <a:t>8. </a:t>
+            </a:r>
+            <a:r>
+              <a:rPr lang="uk-UA" sz="2800" dirty="0">
+                <a:latin typeface="Times New Roman" pitchFamily="18" charset="0"/>
+                <a:cs typeface="Times New Roman" pitchFamily="18" charset="0"/>
+              </a:rPr>
+              <a:t>Переходимо на гілку «</a:t>
+            </a:r>
+            <a:r>
+              <a:rPr lang="en-US" sz="2800" dirty="0">
+                <a:latin typeface="Times New Roman" pitchFamily="18" charset="0"/>
+                <a:cs typeface="Times New Roman" pitchFamily="18" charset="0"/>
+              </a:rPr>
+              <a:t>iss91v2</a:t>
+            </a:r>
+            <a:r>
+              <a:rPr lang="uk-UA" sz="2800" dirty="0">
+                <a:latin typeface="Times New Roman" pitchFamily="18" charset="0"/>
+                <a:cs typeface="Times New Roman" pitchFamily="18" charset="0"/>
+              </a:rPr>
+              <a:t>»</a:t>
+            </a:r>
+          </a:p>
+          <a:p>
+            <a:r>
+              <a:rPr lang="uk-UA" sz="2800" dirty="0">
+                <a:latin typeface="Times New Roman" pitchFamily="18" charset="0"/>
+                <a:cs typeface="Times New Roman" pitchFamily="18" charset="0"/>
+              </a:rPr>
+              <a:t>Робимо зміни в одному з файлів</a:t>
+            </a:r>
+          </a:p>
+          <a:p>
+            <a:r>
+              <a:rPr lang="uk-UA" sz="2800" dirty="0">
+                <a:latin typeface="Times New Roman" pitchFamily="18" charset="0"/>
+                <a:cs typeface="Times New Roman" pitchFamily="18" charset="0"/>
+              </a:rPr>
+              <a:t>Створюємо </a:t>
+            </a:r>
+            <a:r>
+              <a:rPr lang="uk-UA" sz="2800" dirty="0" err="1">
+                <a:latin typeface="Times New Roman" pitchFamily="18" charset="0"/>
+                <a:cs typeface="Times New Roman" pitchFamily="18" charset="0"/>
+              </a:rPr>
+              <a:t>коміт</a:t>
+            </a:r>
+            <a:r>
+              <a:rPr lang="uk-UA" sz="2800" dirty="0">
+                <a:latin typeface="Times New Roman" pitchFamily="18" charset="0"/>
+                <a:cs typeface="Times New Roman" pitchFamily="18" charset="0"/>
+              </a:rPr>
+              <a:t> «С</a:t>
+            </a:r>
+            <a:r>
+              <a:rPr lang="ru-RU" sz="2800" dirty="0">
+                <a:latin typeface="Times New Roman" pitchFamily="18" charset="0"/>
+                <a:cs typeface="Times New Roman" pitchFamily="18" charset="0"/>
+              </a:rPr>
+              <a:t>7</a:t>
+            </a:r>
+            <a:r>
+              <a:rPr lang="uk-UA" sz="2800" dirty="0" smtClean="0">
+                <a:latin typeface="Times New Roman" pitchFamily="18" charset="0"/>
+                <a:cs typeface="Times New Roman" pitchFamily="18" charset="0"/>
+              </a:rPr>
+              <a:t>»</a:t>
+            </a:r>
+          </a:p>
+          <a:p>
+            <a:pPr algn="just"/>
+            <a:endParaRPr lang="uk-UA" sz="2800" dirty="0" smtClean="0">
+              <a:latin typeface="Times New Roman" pitchFamily="18" charset="0"/>
+              <a:cs typeface="Times New Roman" pitchFamily="18" charset="0"/>
+            </a:endParaRPr>
+          </a:p>
+          <a:p>
+            <a:pPr algn="just"/>
+            <a:endParaRPr lang="uk-UA" sz="2800" dirty="0" smtClean="0">
+              <a:latin typeface="Times New Roman" pitchFamily="18" charset="0"/>
+              <a:cs typeface="Times New Roman" pitchFamily="18" charset="0"/>
+            </a:endParaRPr>
+          </a:p>
+          <a:p>
+            <a:pPr algn="just"/>
+            <a:endParaRPr lang="uk-UA" sz="2800" dirty="0">
+              <a:latin typeface="Times New Roman" pitchFamily="18" charset="0"/>
+              <a:cs typeface="Times New Roman" pitchFamily="18" charset="0"/>
+            </a:endParaRPr>
+          </a:p>
+          <a:p>
+            <a:pPr algn="just"/>
+            <a:endParaRPr lang="uk-UA" sz="2800" dirty="0">
+              <a:latin typeface="Times New Roman" pitchFamily="18" charset="0"/>
+              <a:cs typeface="Times New Roman" pitchFamily="18" charset="0"/>
+            </a:endParaRPr>
+          </a:p>
+          <a:p>
+            <a:pPr algn="just"/>
+            <a:endParaRPr lang="uk-UA" sz="2800" dirty="0" smtClean="0">
+              <a:latin typeface="Times New Roman" pitchFamily="18" charset="0"/>
+              <a:cs typeface="Times New Roman" pitchFamily="18" charset="0"/>
+            </a:endParaRPr>
+          </a:p>
+          <a:p>
+            <a:r>
+              <a:rPr lang="uk-UA" sz="2800" dirty="0">
+                <a:latin typeface="Times New Roman" pitchFamily="18" charset="0"/>
+                <a:cs typeface="Times New Roman" pitchFamily="18" charset="0"/>
+              </a:rPr>
+              <a:t>Робимо зміни в одному з файлів</a:t>
+            </a:r>
+          </a:p>
+          <a:p>
+            <a:r>
+              <a:rPr lang="uk-UA" sz="2800" dirty="0">
+                <a:latin typeface="Times New Roman" pitchFamily="18" charset="0"/>
+                <a:cs typeface="Times New Roman" pitchFamily="18" charset="0"/>
+              </a:rPr>
+              <a:t>Створюємо </a:t>
+            </a:r>
+            <a:r>
+              <a:rPr lang="uk-UA" sz="2800" dirty="0" err="1">
+                <a:latin typeface="Times New Roman" pitchFamily="18" charset="0"/>
+                <a:cs typeface="Times New Roman" pitchFamily="18" charset="0"/>
+              </a:rPr>
+              <a:t>коміт</a:t>
+            </a:r>
+            <a:r>
+              <a:rPr lang="uk-UA" sz="2800" dirty="0">
+                <a:latin typeface="Times New Roman" pitchFamily="18" charset="0"/>
+                <a:cs typeface="Times New Roman" pitchFamily="18" charset="0"/>
+              </a:rPr>
+              <a:t> «С</a:t>
+            </a:r>
+            <a:r>
+              <a:rPr lang="en-US" sz="2800" dirty="0">
+                <a:latin typeface="Times New Roman" pitchFamily="18" charset="0"/>
+                <a:cs typeface="Times New Roman" pitchFamily="18" charset="0"/>
+              </a:rPr>
+              <a:t>8</a:t>
+            </a:r>
+            <a:r>
+              <a:rPr lang="uk-UA" sz="2800" dirty="0">
+                <a:latin typeface="Times New Roman" pitchFamily="18" charset="0"/>
+                <a:cs typeface="Times New Roman" pitchFamily="18" charset="0"/>
+              </a:rPr>
+              <a:t>»</a:t>
+            </a:r>
+          </a:p>
+        </p:txBody>
+      </p:sp>
+      <p:pic>
+        <p:nvPicPr>
+          <p:cNvPr id="8193" name="Picture 1"/>
+          <p:cNvPicPr>
+            <a:picLocks noChangeAspect="1" noChangeArrowheads="1"/>
+          </p:cNvPicPr>
+          <p:nvPr/>
+        </p:nvPicPr>
+        <p:blipFill>
+          <a:blip r:embed="rId2">
+            <a:extLst>
+              <a:ext uri="{28A0092B-C50C-407E-A947-70E740481C1C}">
+                <a14:useLocalDpi xmlns:a14="http://schemas.microsoft.com/office/drawing/2010/main" val="0"/>
+              </a:ext>
+            </a:extLst>
+          </a:blip>
+          <a:srcRect/>
+          <a:stretch>
+            <a:fillRect/>
+          </a:stretch>
+        </p:blipFill>
+        <p:spPr bwMode="auto">
+          <a:xfrm>
+            <a:off x="676817" y="2276872"/>
+            <a:ext cx="7913735" cy="1153886"/>
+          </a:xfrm>
+          <a:prstGeom prst="rect">
+            <a:avLst/>
+          </a:prstGeom>
+          <a:noFill/>
+          <a:ln>
+            <a:noFill/>
+          </a:ln>
+          <a:effectLst/>
+          <a:extLst>
+            <a:ext uri="{909E8E84-426E-40DD-AFC4-6F175D3DCCD1}">
+              <a14:hiddenFill xmlns:a14="http://schemas.microsoft.com/office/drawing/2010/main">
+                <a:solidFill>
+                  <a:schemeClr val="accent1"/>
+                </a:solidFill>
+              </a14:hiddenFill>
+            </a:ext>
+            <a:ext uri="{91240B29-F687-4F45-9708-019B960494DF}">
+              <a14:hiddenLine xmlns:a14="http://schemas.microsoft.com/office/drawing/2010/main" w="9525">
+                <a:solidFill>
+                  <a:schemeClr val="tx1"/>
+                </a:solidFill>
+                <a:miter lim="800000"/>
+                <a:headEnd/>
+                <a:tailEnd/>
+              </a14:hiddenLine>
+            </a:ext>
+            <a:ext uri="{AF507438-7753-43E0-B8FC-AC1667EBCBE1}">
+              <a14:hiddenEffects xmlns:a14="http://schemas.microsoft.com/office/drawing/2010/main">
+                <a:effectLst>
+                  <a:outerShdw dist="35921" dir="2700000" algn="ctr" rotWithShape="0">
+                    <a:schemeClr val="bg2"/>
+                  </a:outerShdw>
+                </a:effectLst>
+              </a14:hiddenEffects>
+            </a:ext>
+          </a:extLst>
+        </p:spPr>
+      </p:pic>
+      <p:pic>
+        <p:nvPicPr>
+          <p:cNvPr id="8194" name="Рисунок 21"/>
+          <p:cNvPicPr>
+            <a:picLocks noChangeAspect="1" noChangeArrowheads="1"/>
+          </p:cNvPicPr>
+          <p:nvPr/>
+        </p:nvPicPr>
+        <p:blipFill>
+          <a:blip r:embed="rId3">
+            <a:extLst>
+              <a:ext uri="{28A0092B-C50C-407E-A947-70E740481C1C}">
+                <a14:useLocalDpi xmlns:a14="http://schemas.microsoft.com/office/drawing/2010/main" val="0"/>
+              </a:ext>
+            </a:extLst>
+          </a:blip>
+          <a:srcRect/>
+          <a:stretch>
+            <a:fillRect/>
+          </a:stretch>
+        </p:blipFill>
+        <p:spPr bwMode="auto">
+          <a:xfrm>
+            <a:off x="699682" y="5085184"/>
+            <a:ext cx="8216244" cy="792088"/>
+          </a:xfrm>
+          <a:prstGeom prst="rect">
+            <a:avLst/>
+          </a:prstGeom>
+          <a:noFill/>
+          <a:ln>
+            <a:noFill/>
+          </a:ln>
+          <a:extLst>
+            <a:ext uri="{909E8E84-426E-40DD-AFC4-6F175D3DCCD1}">
+              <a14:hiddenFill xmlns:a14="http://schemas.microsoft.com/office/drawing/2010/main">
+                <a:solidFill>
+                  <a:srgbClr val="FFFFFF"/>
+                </a:solidFill>
+              </a14:hiddenFill>
+            </a:ext>
+            <a:ext uri="{91240B29-F687-4F45-9708-019B960494DF}">
+              <a14:hiddenLine xmlns:a14="http://schemas.microsoft.com/office/drawing/2010/main" w="9525">
+                <a:solidFill>
+                  <a:srgbClr val="000000"/>
+                </a:solidFill>
+                <a:miter lim="800000"/>
+                <a:headEnd/>
+                <a:tailEnd/>
+              </a14:hiddenLine>
+            </a:ext>
+          </a:extLst>
+        </p:spPr>
+      </p:pic>
+    </p:spTree>
+    <p:extLst>
+      <p:ext uri="{BB962C8B-B14F-4D97-AF65-F5344CB8AC3E}">
+        <p14:creationId xmlns:p14="http://schemas.microsoft.com/office/powerpoint/2010/main" val="1492244254"/>
+      </p:ext>
+    </p:extLst>
+  </p:cSld>
+  <p:clrMapOvr>
+    <a:masterClrMapping/>
+  </p:clrMapOvr>
+</p:sld>
+</file>
+
+<file path=ppt/slides/slide13.xml><?xml version="1.0" encoding="utf-8"?>
+<p:sld xmlns:a="http://schemas.openxmlformats.org/drawingml/2006/main" xmlns:r="http://schemas.openxmlformats.org/officeDocument/2006/relationships" xmlns:p="http://schemas.openxmlformats.org/presentationml/2006/main">
+  <p:cSld>
+    <p:spTree>
+      <p:nvGrpSpPr>
+        <p:cNvPr id="1" name=""/>
+        <p:cNvGrpSpPr/>
+        <p:nvPr/>
+      </p:nvGrpSpPr>
+      <p:grpSpPr>
+        <a:xfrm>
+          <a:off x="0" y="0"/>
+          <a:ext cx="0" cy="0"/>
+          <a:chOff x="0" y="0"/>
+          <a:chExt cx="0" cy="0"/>
+        </a:xfrm>
+      </p:grpSpPr>
+      <p:sp>
+        <p:nvSpPr>
+          <p:cNvPr id="5" name="Подзаголовок 4"/>
+          <p:cNvSpPr>
+            <a:spLocks noGrp="1"/>
+          </p:cNvSpPr>
+          <p:nvPr>
+            <p:ph type="subTitle" idx="1"/>
+          </p:nvPr>
+        </p:nvSpPr>
+        <p:spPr>
+          <a:xfrm>
+            <a:off x="395536" y="404664"/>
+            <a:ext cx="8208912" cy="5904656"/>
+          </a:xfrm>
+        </p:spPr>
+        <p:txBody>
+          <a:bodyPr/>
+          <a:lstStyle/>
+          <a:p>
+            <a:pPr lvl="0" algn="l"/>
+            <a:r>
+              <a:rPr lang="uk-UA" dirty="0" smtClean="0">
+                <a:solidFill>
+                  <a:schemeClr val="tx1"/>
+                </a:solidFill>
+                <a:latin typeface="Times New Roman" pitchFamily="18" charset="0"/>
+                <a:cs typeface="Times New Roman" pitchFamily="18" charset="0"/>
+              </a:rPr>
+              <a:t>9. </a:t>
+            </a:r>
+            <a:r>
+              <a:rPr lang="uk-UA" sz="2800" dirty="0" smtClean="0">
+                <a:solidFill>
+                  <a:schemeClr val="tx1"/>
+                </a:solidFill>
+                <a:latin typeface="Times New Roman" pitchFamily="18" charset="0"/>
+                <a:cs typeface="Times New Roman" pitchFamily="18" charset="0"/>
+              </a:rPr>
+              <a:t>Переходимо </a:t>
+            </a:r>
+            <a:r>
+              <a:rPr lang="uk-UA" sz="2800" dirty="0">
+                <a:solidFill>
+                  <a:schemeClr val="tx1"/>
+                </a:solidFill>
+                <a:latin typeface="Times New Roman" pitchFamily="18" charset="0"/>
+                <a:cs typeface="Times New Roman" pitchFamily="18" charset="0"/>
+              </a:rPr>
+              <a:t>на гілку «</a:t>
+            </a:r>
+            <a:r>
+              <a:rPr lang="en-US" sz="2800" dirty="0">
+                <a:solidFill>
+                  <a:schemeClr val="tx1"/>
+                </a:solidFill>
+                <a:latin typeface="Times New Roman" pitchFamily="18" charset="0"/>
+                <a:cs typeface="Times New Roman" pitchFamily="18" charset="0"/>
+              </a:rPr>
+              <a:t>master</a:t>
+            </a:r>
+            <a:r>
+              <a:rPr lang="uk-UA" sz="2800" dirty="0">
+                <a:solidFill>
+                  <a:schemeClr val="tx1"/>
+                </a:solidFill>
+                <a:latin typeface="Times New Roman" pitchFamily="18" charset="0"/>
+                <a:cs typeface="Times New Roman" pitchFamily="18" charset="0"/>
+              </a:rPr>
+              <a:t>»</a:t>
+            </a:r>
+          </a:p>
+          <a:p>
+            <a:pPr algn="l"/>
+            <a:r>
+              <a:rPr lang="uk-UA" sz="2800" dirty="0">
+                <a:solidFill>
+                  <a:schemeClr val="tx1"/>
+                </a:solidFill>
+                <a:latin typeface="Times New Roman" pitchFamily="18" charset="0"/>
+                <a:cs typeface="Times New Roman" pitchFamily="18" charset="0"/>
+              </a:rPr>
+              <a:t>Робимо зміни в одному з файлів</a:t>
+            </a:r>
+          </a:p>
+          <a:p>
+            <a:pPr algn="l"/>
+            <a:r>
+              <a:rPr lang="uk-UA" sz="2800" dirty="0">
+                <a:solidFill>
+                  <a:schemeClr val="tx1"/>
+                </a:solidFill>
+                <a:latin typeface="Times New Roman" pitchFamily="18" charset="0"/>
+                <a:cs typeface="Times New Roman" pitchFamily="18" charset="0"/>
+              </a:rPr>
+              <a:t>Створюємо </a:t>
+            </a:r>
+            <a:r>
+              <a:rPr lang="uk-UA" sz="2800" dirty="0" err="1">
+                <a:solidFill>
+                  <a:schemeClr val="tx1"/>
+                </a:solidFill>
+                <a:latin typeface="Times New Roman" pitchFamily="18" charset="0"/>
+                <a:cs typeface="Times New Roman" pitchFamily="18" charset="0"/>
+              </a:rPr>
+              <a:t>коміт</a:t>
+            </a:r>
+            <a:r>
+              <a:rPr lang="uk-UA" sz="2800" dirty="0">
+                <a:solidFill>
+                  <a:schemeClr val="tx1"/>
+                </a:solidFill>
+                <a:latin typeface="Times New Roman" pitchFamily="18" charset="0"/>
+                <a:cs typeface="Times New Roman" pitchFamily="18" charset="0"/>
+              </a:rPr>
+              <a:t> «С</a:t>
+            </a:r>
+            <a:r>
+              <a:rPr lang="ru-RU" sz="2800" dirty="0">
+                <a:solidFill>
+                  <a:schemeClr val="tx1"/>
+                </a:solidFill>
+                <a:latin typeface="Times New Roman" pitchFamily="18" charset="0"/>
+                <a:cs typeface="Times New Roman" pitchFamily="18" charset="0"/>
+              </a:rPr>
+              <a:t>9</a:t>
+            </a:r>
+            <a:r>
+              <a:rPr lang="uk-UA" sz="2800" dirty="0" smtClean="0">
+                <a:solidFill>
+                  <a:schemeClr val="tx1"/>
+                </a:solidFill>
+                <a:latin typeface="Times New Roman" pitchFamily="18" charset="0"/>
+                <a:cs typeface="Times New Roman" pitchFamily="18" charset="0"/>
+              </a:rPr>
+              <a:t>»</a:t>
+            </a:r>
+            <a:br>
+              <a:rPr lang="uk-UA" sz="2800" dirty="0" smtClean="0">
+                <a:solidFill>
+                  <a:schemeClr val="tx1"/>
+                </a:solidFill>
+                <a:latin typeface="Times New Roman" pitchFamily="18" charset="0"/>
+                <a:cs typeface="Times New Roman" pitchFamily="18" charset="0"/>
+              </a:rPr>
+            </a:br>
+            <a:endParaRPr lang="uk-UA" sz="2800" dirty="0" smtClean="0">
+              <a:solidFill>
+                <a:schemeClr val="tx1"/>
+              </a:solidFill>
+              <a:latin typeface="Times New Roman" pitchFamily="18" charset="0"/>
+              <a:cs typeface="Times New Roman" pitchFamily="18" charset="0"/>
+            </a:endParaRPr>
+          </a:p>
+          <a:p>
+            <a:pPr algn="l"/>
+            <a:r>
+              <a:rPr lang="uk-UA" sz="2800" dirty="0" smtClean="0">
+                <a:solidFill>
+                  <a:schemeClr val="tx1"/>
+                </a:solidFill>
+                <a:latin typeface="Times New Roman" pitchFamily="18" charset="0"/>
+                <a:cs typeface="Times New Roman" pitchFamily="18" charset="0"/>
+              </a:rPr>
+              <a:t/>
+            </a:r>
+            <a:br>
+              <a:rPr lang="uk-UA" sz="2800" dirty="0" smtClean="0">
+                <a:solidFill>
+                  <a:schemeClr val="tx1"/>
+                </a:solidFill>
+                <a:latin typeface="Times New Roman" pitchFamily="18" charset="0"/>
+                <a:cs typeface="Times New Roman" pitchFamily="18" charset="0"/>
+              </a:rPr>
+            </a:br>
+            <a:r>
+              <a:rPr lang="uk-UA" sz="2800" dirty="0" smtClean="0">
+                <a:solidFill>
+                  <a:schemeClr val="tx1"/>
+                </a:solidFill>
+                <a:latin typeface="Times New Roman" pitchFamily="18" charset="0"/>
+                <a:cs typeface="Times New Roman" pitchFamily="18" charset="0"/>
+              </a:rPr>
+              <a:t/>
+            </a:r>
+            <a:br>
+              <a:rPr lang="uk-UA" sz="2800" dirty="0" smtClean="0">
+                <a:solidFill>
+                  <a:schemeClr val="tx1"/>
+                </a:solidFill>
+                <a:latin typeface="Times New Roman" pitchFamily="18" charset="0"/>
+                <a:cs typeface="Times New Roman" pitchFamily="18" charset="0"/>
+              </a:rPr>
+            </a:br>
+            <a:endParaRPr lang="uk-UA" sz="2800" dirty="0">
+              <a:solidFill>
+                <a:schemeClr val="tx1"/>
+              </a:solidFill>
+              <a:latin typeface="Times New Roman" pitchFamily="18" charset="0"/>
+              <a:cs typeface="Times New Roman" pitchFamily="18" charset="0"/>
+            </a:endParaRPr>
+          </a:p>
+          <a:p>
+            <a:pPr algn="l"/>
+            <a:r>
+              <a:rPr lang="uk-UA" sz="2800" dirty="0">
+                <a:solidFill>
+                  <a:schemeClr val="tx1"/>
+                </a:solidFill>
+                <a:latin typeface="Times New Roman" pitchFamily="18" charset="0"/>
+                <a:cs typeface="Times New Roman" pitchFamily="18" charset="0"/>
+              </a:rPr>
+              <a:t>Робимо зміни в одному з файлів</a:t>
+            </a:r>
+          </a:p>
+          <a:p>
+            <a:pPr algn="l"/>
+            <a:r>
+              <a:rPr lang="uk-UA" sz="2800" dirty="0">
+                <a:solidFill>
+                  <a:schemeClr val="tx1"/>
+                </a:solidFill>
+                <a:latin typeface="Times New Roman" pitchFamily="18" charset="0"/>
+                <a:cs typeface="Times New Roman" pitchFamily="18" charset="0"/>
+              </a:rPr>
+              <a:t>Створюємо </a:t>
+            </a:r>
+            <a:r>
+              <a:rPr lang="uk-UA" sz="2800" dirty="0" err="1">
+                <a:solidFill>
+                  <a:schemeClr val="tx1"/>
+                </a:solidFill>
+                <a:latin typeface="Times New Roman" pitchFamily="18" charset="0"/>
+                <a:cs typeface="Times New Roman" pitchFamily="18" charset="0"/>
+              </a:rPr>
+              <a:t>коміт</a:t>
+            </a:r>
+            <a:r>
+              <a:rPr lang="uk-UA" sz="2800" dirty="0">
+                <a:solidFill>
+                  <a:schemeClr val="tx1"/>
+                </a:solidFill>
+                <a:latin typeface="Times New Roman" pitchFamily="18" charset="0"/>
+                <a:cs typeface="Times New Roman" pitchFamily="18" charset="0"/>
+              </a:rPr>
+              <a:t> «С</a:t>
+            </a:r>
+            <a:r>
+              <a:rPr lang="en-US" sz="2800" dirty="0">
+                <a:solidFill>
+                  <a:schemeClr val="tx1"/>
+                </a:solidFill>
+                <a:latin typeface="Times New Roman" pitchFamily="18" charset="0"/>
+                <a:cs typeface="Times New Roman" pitchFamily="18" charset="0"/>
+              </a:rPr>
+              <a:t>10</a:t>
+            </a:r>
+            <a:r>
+              <a:rPr lang="uk-UA" sz="2800" dirty="0">
+                <a:solidFill>
+                  <a:schemeClr val="tx1"/>
+                </a:solidFill>
+                <a:latin typeface="Times New Roman" pitchFamily="18" charset="0"/>
+                <a:cs typeface="Times New Roman" pitchFamily="18" charset="0"/>
+              </a:rPr>
+              <a:t>»</a:t>
+            </a:r>
+          </a:p>
+          <a:p>
+            <a:pPr algn="l"/>
+            <a:endParaRPr lang="uk-UA" dirty="0">
+              <a:solidFill>
+                <a:schemeClr val="tx1"/>
+              </a:solidFill>
+              <a:latin typeface="Times New Roman" pitchFamily="18" charset="0"/>
+              <a:cs typeface="Times New Roman" pitchFamily="18" charset="0"/>
+            </a:endParaRPr>
+          </a:p>
+        </p:txBody>
+      </p:sp>
+      <p:pic>
+        <p:nvPicPr>
+          <p:cNvPr id="7169" name="Picture 1"/>
+          <p:cNvPicPr>
+            <a:picLocks noChangeAspect="1" noChangeArrowheads="1"/>
+          </p:cNvPicPr>
+          <p:nvPr/>
+        </p:nvPicPr>
+        <p:blipFill>
+          <a:blip r:embed="rId2">
+            <a:extLst>
+              <a:ext uri="{28A0092B-C50C-407E-A947-70E740481C1C}">
+                <a14:useLocalDpi xmlns:a14="http://schemas.microsoft.com/office/drawing/2010/main" val="0"/>
+              </a:ext>
+            </a:extLst>
+          </a:blip>
+          <a:srcRect/>
+          <a:stretch>
+            <a:fillRect/>
+          </a:stretch>
+        </p:blipFill>
+        <p:spPr bwMode="auto">
+          <a:xfrm>
+            <a:off x="683568" y="2248064"/>
+            <a:ext cx="8069006" cy="1425719"/>
+          </a:xfrm>
+          <a:prstGeom prst="rect">
+            <a:avLst/>
+          </a:prstGeom>
+          <a:noFill/>
+          <a:ln>
+            <a:noFill/>
+          </a:ln>
+          <a:effectLst/>
+          <a:extLst>
+            <a:ext uri="{909E8E84-426E-40DD-AFC4-6F175D3DCCD1}">
+              <a14:hiddenFill xmlns:a14="http://schemas.microsoft.com/office/drawing/2010/main">
+                <a:solidFill>
+                  <a:schemeClr val="accent1"/>
+                </a:solidFill>
+              </a14:hiddenFill>
+            </a:ext>
+            <a:ext uri="{91240B29-F687-4F45-9708-019B960494DF}">
+              <a14:hiddenLine xmlns:a14="http://schemas.microsoft.com/office/drawing/2010/main" w="9525">
+                <a:solidFill>
+                  <a:schemeClr val="tx1"/>
+                </a:solidFill>
+                <a:miter lim="800000"/>
+                <a:headEnd/>
+                <a:tailEnd/>
+              </a14:hiddenLine>
+            </a:ext>
+            <a:ext uri="{AF507438-7753-43E0-B8FC-AC1667EBCBE1}">
+              <a14:hiddenEffects xmlns:a14="http://schemas.microsoft.com/office/drawing/2010/main">
+                <a:effectLst>
+                  <a:outerShdw dist="35921" dir="2700000" algn="ctr" rotWithShape="0">
+                    <a:schemeClr val="bg2"/>
+                  </a:outerShdw>
+                </a:effectLst>
+              </a14:hiddenEffects>
+            </a:ext>
+          </a:extLst>
+        </p:spPr>
+      </p:pic>
+      <p:pic>
+        <p:nvPicPr>
+          <p:cNvPr id="7170" name="Рисунок 24"/>
+          <p:cNvPicPr>
+            <a:picLocks noChangeAspect="1" noChangeArrowheads="1"/>
+          </p:cNvPicPr>
+          <p:nvPr/>
+        </p:nvPicPr>
+        <p:blipFill>
+          <a:blip r:embed="rId3">
+            <a:extLst>
+              <a:ext uri="{28A0092B-C50C-407E-A947-70E740481C1C}">
+                <a14:useLocalDpi xmlns:a14="http://schemas.microsoft.com/office/drawing/2010/main" val="0"/>
+              </a:ext>
+            </a:extLst>
+          </a:blip>
+          <a:srcRect/>
+          <a:stretch>
+            <a:fillRect/>
+          </a:stretch>
+        </p:blipFill>
+        <p:spPr bwMode="auto">
+          <a:xfrm>
+            <a:off x="434342" y="4882072"/>
+            <a:ext cx="8567457" cy="816083"/>
+          </a:xfrm>
+          <a:prstGeom prst="rect">
+            <a:avLst/>
+          </a:prstGeom>
+          <a:noFill/>
+          <a:ln>
+            <a:noFill/>
+          </a:ln>
+          <a:extLst>
+            <a:ext uri="{909E8E84-426E-40DD-AFC4-6F175D3DCCD1}">
+              <a14:hiddenFill xmlns:a14="http://schemas.microsoft.com/office/drawing/2010/main">
+                <a:solidFill>
+                  <a:srgbClr val="FFFFFF"/>
+                </a:solidFill>
+              </a14:hiddenFill>
+            </a:ext>
+            <a:ext uri="{91240B29-F687-4F45-9708-019B960494DF}">
+              <a14:hiddenLine xmlns:a14="http://schemas.microsoft.com/office/drawing/2010/main" w="9525">
+                <a:solidFill>
+                  <a:srgbClr val="000000"/>
+                </a:solidFill>
+                <a:miter lim="800000"/>
+                <a:headEnd/>
+                <a:tailEnd/>
+              </a14:hiddenLine>
+            </a:ext>
+          </a:extLst>
+        </p:spPr>
+      </p:pic>
+    </p:spTree>
+    <p:extLst>
+      <p:ext uri="{BB962C8B-B14F-4D97-AF65-F5344CB8AC3E}">
+        <p14:creationId xmlns:p14="http://schemas.microsoft.com/office/powerpoint/2010/main" val="912170993"/>
+      </p:ext>
+    </p:extLst>
+  </p:cSld>
+  <p:clrMapOvr>
+    <a:masterClrMapping/>
+  </p:clrMapOvr>
+</p:sld>
+</file>
+
+<file path=ppt/slides/slide14.xml><?xml version="1.0" encoding="utf-8"?>
+<p:sld xmlns:a="http://schemas.openxmlformats.org/drawingml/2006/main" xmlns:r="http://schemas.openxmlformats.org/officeDocument/2006/relationships" xmlns:p="http://schemas.openxmlformats.org/presentationml/2006/main">
+  <p:cSld>
+    <p:spTree>
+      <p:nvGrpSpPr>
+        <p:cNvPr id="1" name=""/>
+        <p:cNvGrpSpPr/>
+        <p:nvPr/>
+      </p:nvGrpSpPr>
+      <p:grpSpPr>
+        <a:xfrm>
+          <a:off x="0" y="0"/>
+          <a:ext cx="0" cy="0"/>
+          <a:chOff x="0" y="0"/>
+          <a:chExt cx="0" cy="0"/>
+        </a:xfrm>
+      </p:grpSpPr>
+      <p:sp>
+        <p:nvSpPr>
+          <p:cNvPr id="3" name="Подзаголовок 2"/>
+          <p:cNvSpPr>
+            <a:spLocks noGrp="1"/>
+          </p:cNvSpPr>
+          <p:nvPr>
+            <p:ph type="subTitle" idx="1"/>
+          </p:nvPr>
+        </p:nvSpPr>
+        <p:spPr>
+          <a:xfrm>
+            <a:off x="395536" y="404664"/>
+            <a:ext cx="8280920" cy="6048672"/>
+          </a:xfrm>
+        </p:spPr>
+        <p:txBody>
+          <a:bodyPr/>
+          <a:lstStyle/>
+          <a:p>
+            <a:pPr lvl="0" algn="l"/>
+            <a:r>
+              <a:rPr lang="uk-UA" sz="2800" dirty="0" smtClean="0">
+                <a:solidFill>
+                  <a:schemeClr val="tx1"/>
+                </a:solidFill>
+                <a:latin typeface="Times New Roman" pitchFamily="18" charset="0"/>
+                <a:cs typeface="Times New Roman" pitchFamily="18" charset="0"/>
+              </a:rPr>
+              <a:t>10. Створюємо </a:t>
+            </a:r>
+            <a:r>
+              <a:rPr lang="uk-UA" sz="2800" dirty="0">
+                <a:solidFill>
+                  <a:schemeClr val="tx1"/>
+                </a:solidFill>
+                <a:latin typeface="Times New Roman" pitchFamily="18" charset="0"/>
+                <a:cs typeface="Times New Roman" pitchFamily="18" charset="0"/>
+              </a:rPr>
+              <a:t>гілку «</a:t>
+            </a:r>
+            <a:r>
+              <a:rPr lang="en-US" sz="2800" dirty="0" err="1">
+                <a:solidFill>
+                  <a:schemeClr val="tx1"/>
+                </a:solidFill>
+                <a:latin typeface="Times New Roman" pitchFamily="18" charset="0"/>
+                <a:cs typeface="Times New Roman" pitchFamily="18" charset="0"/>
+              </a:rPr>
+              <a:t>dumbidea</a:t>
+            </a:r>
+            <a:r>
+              <a:rPr lang="uk-UA" sz="2800" dirty="0">
+                <a:solidFill>
+                  <a:schemeClr val="tx1"/>
+                </a:solidFill>
+                <a:latin typeface="Times New Roman" pitchFamily="18" charset="0"/>
+                <a:cs typeface="Times New Roman" pitchFamily="18" charset="0"/>
+              </a:rPr>
+              <a:t>»</a:t>
+            </a:r>
+          </a:p>
+          <a:p>
+            <a:pPr algn="l"/>
+            <a:r>
+              <a:rPr lang="uk-UA" sz="2800" dirty="0">
+                <a:solidFill>
+                  <a:schemeClr val="tx1"/>
+                </a:solidFill>
+                <a:latin typeface="Times New Roman" pitchFamily="18" charset="0"/>
+                <a:cs typeface="Times New Roman" pitchFamily="18" charset="0"/>
+              </a:rPr>
+              <a:t>Переходимо на гілку «</a:t>
+            </a:r>
+            <a:r>
+              <a:rPr lang="en-US" sz="2800" dirty="0">
+                <a:solidFill>
+                  <a:schemeClr val="tx1"/>
+                </a:solidFill>
+                <a:latin typeface="Times New Roman" pitchFamily="18" charset="0"/>
+                <a:cs typeface="Times New Roman" pitchFamily="18" charset="0"/>
+              </a:rPr>
+              <a:t>iss91v2</a:t>
+            </a:r>
+            <a:r>
+              <a:rPr lang="uk-UA" sz="2800" dirty="0">
+                <a:solidFill>
+                  <a:schemeClr val="tx1"/>
+                </a:solidFill>
+                <a:latin typeface="Times New Roman" pitchFamily="18" charset="0"/>
+                <a:cs typeface="Times New Roman" pitchFamily="18" charset="0"/>
+              </a:rPr>
+              <a:t>»</a:t>
+            </a:r>
+          </a:p>
+          <a:p>
+            <a:pPr algn="l"/>
+            <a:r>
+              <a:rPr lang="uk-UA" sz="2800" dirty="0">
+                <a:solidFill>
+                  <a:schemeClr val="tx1"/>
+                </a:solidFill>
+                <a:latin typeface="Times New Roman" pitchFamily="18" charset="0"/>
+                <a:cs typeface="Times New Roman" pitchFamily="18" charset="0"/>
+              </a:rPr>
+              <a:t>Робимо зміни в одному з файлів</a:t>
+            </a:r>
+          </a:p>
+          <a:p>
+            <a:pPr algn="l"/>
+            <a:r>
+              <a:rPr lang="uk-UA" sz="2800" dirty="0">
+                <a:solidFill>
+                  <a:schemeClr val="tx1"/>
+                </a:solidFill>
+                <a:latin typeface="Times New Roman" pitchFamily="18" charset="0"/>
+                <a:cs typeface="Times New Roman" pitchFamily="18" charset="0"/>
+              </a:rPr>
+              <a:t>Створюємо </a:t>
+            </a:r>
+            <a:r>
+              <a:rPr lang="uk-UA" sz="2800" dirty="0" err="1">
+                <a:solidFill>
+                  <a:schemeClr val="tx1"/>
+                </a:solidFill>
+                <a:latin typeface="Times New Roman" pitchFamily="18" charset="0"/>
+                <a:cs typeface="Times New Roman" pitchFamily="18" charset="0"/>
+              </a:rPr>
+              <a:t>коміт</a:t>
+            </a:r>
+            <a:r>
+              <a:rPr lang="uk-UA" sz="2800" dirty="0">
+                <a:solidFill>
+                  <a:schemeClr val="tx1"/>
+                </a:solidFill>
+                <a:latin typeface="Times New Roman" pitchFamily="18" charset="0"/>
+                <a:cs typeface="Times New Roman" pitchFamily="18" charset="0"/>
+              </a:rPr>
+              <a:t> «С</a:t>
+            </a:r>
+            <a:r>
+              <a:rPr lang="en-US" sz="2800" dirty="0">
+                <a:solidFill>
+                  <a:schemeClr val="tx1"/>
+                </a:solidFill>
+                <a:latin typeface="Times New Roman" pitchFamily="18" charset="0"/>
+                <a:cs typeface="Times New Roman" pitchFamily="18" charset="0"/>
+              </a:rPr>
+              <a:t>11</a:t>
+            </a:r>
+            <a:r>
+              <a:rPr lang="uk-UA" sz="2800" dirty="0">
+                <a:solidFill>
+                  <a:schemeClr val="tx1"/>
+                </a:solidFill>
+                <a:latin typeface="Times New Roman" pitchFamily="18" charset="0"/>
+                <a:cs typeface="Times New Roman" pitchFamily="18" charset="0"/>
+              </a:rPr>
+              <a:t>»</a:t>
+            </a:r>
+          </a:p>
+          <a:p>
+            <a:endParaRPr lang="uk-UA" dirty="0"/>
+          </a:p>
+        </p:txBody>
+      </p:sp>
+      <p:pic>
+        <p:nvPicPr>
+          <p:cNvPr id="6145" name="Picture 1"/>
+          <p:cNvPicPr>
+            <a:picLocks noChangeAspect="1" noChangeArrowheads="1"/>
+          </p:cNvPicPr>
+          <p:nvPr/>
+        </p:nvPicPr>
+        <p:blipFill>
+          <a:blip r:embed="rId2">
+            <a:extLst>
+              <a:ext uri="{28A0092B-C50C-407E-A947-70E740481C1C}">
+                <a14:useLocalDpi xmlns:a14="http://schemas.microsoft.com/office/drawing/2010/main" val="0"/>
+              </a:ext>
+            </a:extLst>
+          </a:blip>
+          <a:srcRect/>
+          <a:stretch>
+            <a:fillRect/>
+          </a:stretch>
+        </p:blipFill>
+        <p:spPr bwMode="auto">
+          <a:xfrm>
+            <a:off x="467544" y="2996951"/>
+            <a:ext cx="8424936" cy="1742107"/>
+          </a:xfrm>
+          <a:prstGeom prst="rect">
+            <a:avLst/>
+          </a:prstGeom>
+          <a:noFill/>
+          <a:ln>
+            <a:noFill/>
+          </a:ln>
+          <a:effectLst/>
+          <a:extLst>
+            <a:ext uri="{909E8E84-426E-40DD-AFC4-6F175D3DCCD1}">
+              <a14:hiddenFill xmlns:a14="http://schemas.microsoft.com/office/drawing/2010/main">
+                <a:solidFill>
+                  <a:schemeClr val="accent1"/>
+                </a:solidFill>
+              </a14:hiddenFill>
+            </a:ext>
+            <a:ext uri="{91240B29-F687-4F45-9708-019B960494DF}">
+              <a14:hiddenLine xmlns:a14="http://schemas.microsoft.com/office/drawing/2010/main" w="9525">
+                <a:solidFill>
+                  <a:schemeClr val="tx1"/>
+                </a:solidFill>
+                <a:miter lim="800000"/>
+                <a:headEnd/>
+                <a:tailEnd/>
+              </a14:hiddenLine>
+            </a:ext>
+            <a:ext uri="{AF507438-7753-43E0-B8FC-AC1667EBCBE1}">
+              <a14:hiddenEffects xmlns:a14="http://schemas.microsoft.com/office/drawing/2010/main">
+                <a:effectLst>
+                  <a:outerShdw dist="35921" dir="2700000" algn="ctr" rotWithShape="0">
+                    <a:schemeClr val="bg2"/>
+                  </a:outerShdw>
+                </a:effectLst>
+              </a14:hiddenEffects>
+            </a:ext>
+          </a:extLst>
+        </p:spPr>
+      </p:pic>
+    </p:spTree>
+    <p:extLst>
+      <p:ext uri="{BB962C8B-B14F-4D97-AF65-F5344CB8AC3E}">
+        <p14:creationId xmlns:p14="http://schemas.microsoft.com/office/powerpoint/2010/main" val="3291546666"/>
+      </p:ext>
+    </p:extLst>
+  </p:cSld>
+  <p:clrMapOvr>
+    <a:masterClrMapping/>
+  </p:clrMapOvr>
+</p:sld>
+</file>
+
+<file path=ppt/slides/slide15.xml><?xml version="1.0" encoding="utf-8"?>
+<p:sld xmlns:a="http://schemas.openxmlformats.org/drawingml/2006/main" xmlns:r="http://schemas.openxmlformats.org/officeDocument/2006/relationships" xmlns:p="http://schemas.openxmlformats.org/presentationml/2006/main">
+  <p:cSld>
+    <p:spTree>
+      <p:nvGrpSpPr>
+        <p:cNvPr id="1" name=""/>
+        <p:cNvGrpSpPr/>
+        <p:nvPr/>
+      </p:nvGrpSpPr>
+      <p:grpSpPr>
+        <a:xfrm>
+          <a:off x="0" y="0"/>
+          <a:ext cx="0" cy="0"/>
+          <a:chOff x="0" y="0"/>
+          <a:chExt cx="0" cy="0"/>
+        </a:xfrm>
+      </p:grpSpPr>
+      <p:sp>
+        <p:nvSpPr>
+          <p:cNvPr id="3" name="Подзаголовок 2"/>
+          <p:cNvSpPr>
+            <a:spLocks noGrp="1"/>
+          </p:cNvSpPr>
+          <p:nvPr>
+            <p:ph type="subTitle" idx="1"/>
+          </p:nvPr>
+        </p:nvSpPr>
+        <p:spPr>
+          <a:xfrm>
+            <a:off x="467544" y="476672"/>
+            <a:ext cx="8208912" cy="5976664"/>
+          </a:xfrm>
+        </p:spPr>
+        <p:txBody>
+          <a:bodyPr>
+            <a:normAutofit/>
+          </a:bodyPr>
+          <a:lstStyle/>
+          <a:p>
+            <a:pPr lvl="0" algn="l"/>
+            <a:r>
+              <a:rPr lang="uk-UA" sz="2800" dirty="0" smtClean="0">
+                <a:solidFill>
+                  <a:schemeClr val="tx1"/>
+                </a:solidFill>
+                <a:latin typeface="Times New Roman" pitchFamily="18" charset="0"/>
+                <a:cs typeface="Times New Roman" pitchFamily="18" charset="0"/>
+              </a:rPr>
+              <a:t>11. Переходимо </a:t>
+            </a:r>
+            <a:r>
+              <a:rPr lang="uk-UA" sz="2800" dirty="0">
+                <a:solidFill>
+                  <a:schemeClr val="tx1"/>
+                </a:solidFill>
+                <a:latin typeface="Times New Roman" pitchFamily="18" charset="0"/>
+                <a:cs typeface="Times New Roman" pitchFamily="18" charset="0"/>
+              </a:rPr>
+              <a:t>на гілку «</a:t>
+            </a:r>
+            <a:r>
+              <a:rPr lang="en-US" sz="2800" dirty="0" err="1">
+                <a:solidFill>
+                  <a:schemeClr val="tx1"/>
+                </a:solidFill>
+                <a:latin typeface="Times New Roman" pitchFamily="18" charset="0"/>
+                <a:cs typeface="Times New Roman" pitchFamily="18" charset="0"/>
+              </a:rPr>
+              <a:t>dumbidea</a:t>
+            </a:r>
+            <a:r>
+              <a:rPr lang="uk-UA" sz="2800" dirty="0">
+                <a:solidFill>
+                  <a:schemeClr val="tx1"/>
+                </a:solidFill>
+                <a:latin typeface="Times New Roman" pitchFamily="18" charset="0"/>
+                <a:cs typeface="Times New Roman" pitchFamily="18" charset="0"/>
+              </a:rPr>
+              <a:t>»</a:t>
+            </a:r>
+          </a:p>
+          <a:p>
+            <a:pPr algn="l"/>
+            <a:r>
+              <a:rPr lang="uk-UA" sz="2800" dirty="0">
+                <a:solidFill>
+                  <a:schemeClr val="tx1"/>
+                </a:solidFill>
+                <a:latin typeface="Times New Roman" pitchFamily="18" charset="0"/>
+                <a:cs typeface="Times New Roman" pitchFamily="18" charset="0"/>
+              </a:rPr>
+              <a:t>Робимо зміни в одному з файлів</a:t>
+            </a:r>
+          </a:p>
+          <a:p>
+            <a:pPr algn="l"/>
+            <a:r>
+              <a:rPr lang="uk-UA" sz="2800" dirty="0">
+                <a:solidFill>
+                  <a:schemeClr val="tx1"/>
+                </a:solidFill>
+                <a:latin typeface="Times New Roman" pitchFamily="18" charset="0"/>
+                <a:cs typeface="Times New Roman" pitchFamily="18" charset="0"/>
+              </a:rPr>
+              <a:t>Створюємо </a:t>
+            </a:r>
+            <a:r>
+              <a:rPr lang="uk-UA" sz="2800" dirty="0" err="1">
+                <a:solidFill>
+                  <a:schemeClr val="tx1"/>
+                </a:solidFill>
+                <a:latin typeface="Times New Roman" pitchFamily="18" charset="0"/>
+                <a:cs typeface="Times New Roman" pitchFamily="18" charset="0"/>
+              </a:rPr>
+              <a:t>коміт</a:t>
+            </a:r>
+            <a:r>
+              <a:rPr lang="uk-UA" sz="2800" dirty="0">
+                <a:solidFill>
+                  <a:schemeClr val="tx1"/>
+                </a:solidFill>
+                <a:latin typeface="Times New Roman" pitchFamily="18" charset="0"/>
+                <a:cs typeface="Times New Roman" pitchFamily="18" charset="0"/>
+              </a:rPr>
+              <a:t> «С</a:t>
+            </a:r>
+            <a:r>
+              <a:rPr lang="ru-RU" sz="2800" dirty="0">
+                <a:solidFill>
+                  <a:schemeClr val="tx1"/>
+                </a:solidFill>
+                <a:latin typeface="Times New Roman" pitchFamily="18" charset="0"/>
+                <a:cs typeface="Times New Roman" pitchFamily="18" charset="0"/>
+              </a:rPr>
+              <a:t>1</a:t>
+            </a:r>
+            <a:r>
+              <a:rPr lang="uk-UA" sz="2800" dirty="0">
+                <a:solidFill>
+                  <a:schemeClr val="tx1"/>
+                </a:solidFill>
+                <a:latin typeface="Times New Roman" pitchFamily="18" charset="0"/>
+                <a:cs typeface="Times New Roman" pitchFamily="18" charset="0"/>
+              </a:rPr>
+              <a:t>2</a:t>
+            </a:r>
+            <a:r>
+              <a:rPr lang="uk-UA" sz="2800" dirty="0" smtClean="0">
+                <a:solidFill>
+                  <a:schemeClr val="tx1"/>
+                </a:solidFill>
+                <a:latin typeface="Times New Roman" pitchFamily="18" charset="0"/>
+                <a:cs typeface="Times New Roman" pitchFamily="18" charset="0"/>
+              </a:rPr>
+              <a:t>»</a:t>
+            </a:r>
+          </a:p>
+          <a:p>
+            <a:pPr algn="l"/>
+            <a:endParaRPr lang="uk-UA" sz="2800" dirty="0">
+              <a:solidFill>
+                <a:schemeClr val="tx1"/>
+              </a:solidFill>
+              <a:latin typeface="Times New Roman" pitchFamily="18" charset="0"/>
+              <a:cs typeface="Times New Roman" pitchFamily="18" charset="0"/>
+            </a:endParaRPr>
+          </a:p>
+          <a:p>
+            <a:pPr algn="l"/>
+            <a:endParaRPr lang="uk-UA" sz="2800" dirty="0" smtClean="0">
+              <a:solidFill>
+                <a:schemeClr val="tx1"/>
+              </a:solidFill>
+              <a:latin typeface="Times New Roman" pitchFamily="18" charset="0"/>
+              <a:cs typeface="Times New Roman" pitchFamily="18" charset="0"/>
+            </a:endParaRPr>
+          </a:p>
+          <a:p>
+            <a:pPr algn="l"/>
+            <a:endParaRPr lang="uk-UA" sz="2800" dirty="0">
+              <a:solidFill>
+                <a:schemeClr val="tx1"/>
+              </a:solidFill>
+              <a:latin typeface="Times New Roman" pitchFamily="18" charset="0"/>
+              <a:cs typeface="Times New Roman" pitchFamily="18" charset="0"/>
+            </a:endParaRPr>
+          </a:p>
+          <a:p>
+            <a:pPr algn="l"/>
+            <a:r>
+              <a:rPr lang="uk-UA" sz="2800" dirty="0">
+                <a:solidFill>
+                  <a:schemeClr val="tx1"/>
+                </a:solidFill>
+                <a:latin typeface="Times New Roman" pitchFamily="18" charset="0"/>
+                <a:cs typeface="Times New Roman" pitchFamily="18" charset="0"/>
+              </a:rPr>
+              <a:t>Робимо зміни в одному з файлів</a:t>
+            </a:r>
+          </a:p>
+          <a:p>
+            <a:pPr algn="l"/>
+            <a:r>
+              <a:rPr lang="uk-UA" sz="2800" dirty="0">
+                <a:solidFill>
+                  <a:schemeClr val="tx1"/>
+                </a:solidFill>
+                <a:latin typeface="Times New Roman" pitchFamily="18" charset="0"/>
+                <a:cs typeface="Times New Roman" pitchFamily="18" charset="0"/>
+              </a:rPr>
+              <a:t>Створюємо </a:t>
+            </a:r>
+            <a:r>
+              <a:rPr lang="uk-UA" sz="2800" dirty="0" err="1">
+                <a:solidFill>
+                  <a:schemeClr val="tx1"/>
+                </a:solidFill>
+                <a:latin typeface="Times New Roman" pitchFamily="18" charset="0"/>
+                <a:cs typeface="Times New Roman" pitchFamily="18" charset="0"/>
+              </a:rPr>
+              <a:t>коміт</a:t>
+            </a:r>
+            <a:r>
+              <a:rPr lang="uk-UA" sz="2800" dirty="0">
+                <a:solidFill>
+                  <a:schemeClr val="tx1"/>
+                </a:solidFill>
+                <a:latin typeface="Times New Roman" pitchFamily="18" charset="0"/>
+                <a:cs typeface="Times New Roman" pitchFamily="18" charset="0"/>
+              </a:rPr>
+              <a:t> «С</a:t>
+            </a:r>
+            <a:r>
+              <a:rPr lang="en-US" sz="2800" dirty="0">
+                <a:solidFill>
+                  <a:schemeClr val="tx1"/>
+                </a:solidFill>
+                <a:latin typeface="Times New Roman" pitchFamily="18" charset="0"/>
+                <a:cs typeface="Times New Roman" pitchFamily="18" charset="0"/>
+              </a:rPr>
+              <a:t>1</a:t>
+            </a:r>
+            <a:r>
+              <a:rPr lang="uk-UA" sz="2800" dirty="0">
+                <a:solidFill>
+                  <a:schemeClr val="tx1"/>
+                </a:solidFill>
+                <a:latin typeface="Times New Roman" pitchFamily="18" charset="0"/>
+                <a:cs typeface="Times New Roman" pitchFamily="18" charset="0"/>
+              </a:rPr>
+              <a:t>3</a:t>
+            </a:r>
+            <a:r>
+              <a:rPr lang="uk-UA" sz="2800" dirty="0" smtClean="0">
+                <a:solidFill>
+                  <a:schemeClr val="tx1"/>
+                </a:solidFill>
+                <a:latin typeface="Times New Roman" pitchFamily="18" charset="0"/>
+                <a:cs typeface="Times New Roman" pitchFamily="18" charset="0"/>
+              </a:rPr>
+              <a:t>»</a:t>
+            </a:r>
+            <a:endParaRPr lang="uk-UA" sz="2800" dirty="0">
+              <a:solidFill>
+                <a:schemeClr val="tx1"/>
+              </a:solidFill>
+              <a:latin typeface="Times New Roman" pitchFamily="18" charset="0"/>
+              <a:cs typeface="Times New Roman" pitchFamily="18" charset="0"/>
+            </a:endParaRPr>
+          </a:p>
+        </p:txBody>
+      </p:sp>
+      <p:pic>
+        <p:nvPicPr>
+          <p:cNvPr id="5121" name="Picture 1"/>
+          <p:cNvPicPr>
+            <a:picLocks noChangeAspect="1" noChangeArrowheads="1"/>
+          </p:cNvPicPr>
+          <p:nvPr/>
+        </p:nvPicPr>
+        <p:blipFill>
+          <a:blip r:embed="rId2">
+            <a:extLst>
+              <a:ext uri="{28A0092B-C50C-407E-A947-70E740481C1C}">
+                <a14:useLocalDpi xmlns:a14="http://schemas.microsoft.com/office/drawing/2010/main" val="0"/>
+              </a:ext>
+            </a:extLst>
+          </a:blip>
+          <a:srcRect/>
+          <a:stretch>
+            <a:fillRect/>
+          </a:stretch>
+        </p:blipFill>
+        <p:spPr bwMode="auto">
+          <a:xfrm>
+            <a:off x="346974" y="2111655"/>
+            <a:ext cx="8511694" cy="1392932"/>
+          </a:xfrm>
+          <a:prstGeom prst="rect">
+            <a:avLst/>
+          </a:prstGeom>
+          <a:noFill/>
+          <a:ln>
+            <a:noFill/>
+          </a:ln>
+          <a:effectLst/>
+          <a:extLst>
+            <a:ext uri="{909E8E84-426E-40DD-AFC4-6F175D3DCCD1}">
+              <a14:hiddenFill xmlns:a14="http://schemas.microsoft.com/office/drawing/2010/main">
+                <a:solidFill>
+                  <a:schemeClr val="accent1"/>
+                </a:solidFill>
+              </a14:hiddenFill>
+            </a:ext>
+            <a:ext uri="{91240B29-F687-4F45-9708-019B960494DF}">
+              <a14:hiddenLine xmlns:a14="http://schemas.microsoft.com/office/drawing/2010/main" w="9525">
+                <a:solidFill>
+                  <a:schemeClr val="tx1"/>
+                </a:solidFill>
+                <a:miter lim="800000"/>
+                <a:headEnd/>
+                <a:tailEnd/>
+              </a14:hiddenLine>
+            </a:ext>
+            <a:ext uri="{AF507438-7753-43E0-B8FC-AC1667EBCBE1}">
+              <a14:hiddenEffects xmlns:a14="http://schemas.microsoft.com/office/drawing/2010/main">
+                <a:effectLst>
+                  <a:outerShdw dist="35921" dir="2700000" algn="ctr" rotWithShape="0">
+                    <a:schemeClr val="bg2"/>
+                  </a:outerShdw>
+                </a:effectLst>
+              </a14:hiddenEffects>
+            </a:ext>
+          </a:extLst>
+        </p:spPr>
+      </p:pic>
+      <p:pic>
+        <p:nvPicPr>
+          <p:cNvPr id="5122" name="Рисунок 30"/>
+          <p:cNvPicPr>
+            <a:picLocks noChangeAspect="1" noChangeArrowheads="1"/>
+          </p:cNvPicPr>
+          <p:nvPr/>
+        </p:nvPicPr>
+        <p:blipFill>
+          <a:blip r:embed="rId3">
+            <a:extLst>
+              <a:ext uri="{28A0092B-C50C-407E-A947-70E740481C1C}">
+                <a14:useLocalDpi xmlns:a14="http://schemas.microsoft.com/office/drawing/2010/main" val="0"/>
+              </a:ext>
+            </a:extLst>
+          </a:blip>
+          <a:srcRect/>
+          <a:stretch>
+            <a:fillRect/>
+          </a:stretch>
+        </p:blipFill>
+        <p:spPr bwMode="auto">
+          <a:xfrm>
+            <a:off x="409253" y="4725144"/>
+            <a:ext cx="8387135" cy="792088"/>
+          </a:xfrm>
+          <a:prstGeom prst="rect">
+            <a:avLst/>
+          </a:prstGeom>
+          <a:noFill/>
+          <a:ln>
+            <a:noFill/>
+          </a:ln>
+          <a:extLst>
+            <a:ext uri="{909E8E84-426E-40DD-AFC4-6F175D3DCCD1}">
+              <a14:hiddenFill xmlns:a14="http://schemas.microsoft.com/office/drawing/2010/main">
+                <a:solidFill>
+                  <a:srgbClr val="FFFFFF"/>
+                </a:solidFill>
+              </a14:hiddenFill>
+            </a:ext>
+            <a:ext uri="{91240B29-F687-4F45-9708-019B960494DF}">
+              <a14:hiddenLine xmlns:a14="http://schemas.microsoft.com/office/drawing/2010/main" w="9525">
+                <a:solidFill>
+                  <a:srgbClr val="000000"/>
+                </a:solidFill>
+                <a:miter lim="800000"/>
+                <a:headEnd/>
+                <a:tailEnd/>
+              </a14:hiddenLine>
+            </a:ext>
+          </a:extLst>
+        </p:spPr>
+      </p:pic>
+    </p:spTree>
+    <p:extLst>
+      <p:ext uri="{BB962C8B-B14F-4D97-AF65-F5344CB8AC3E}">
+        <p14:creationId xmlns:p14="http://schemas.microsoft.com/office/powerpoint/2010/main" val="4073145915"/>
+      </p:ext>
+    </p:extLst>
+  </p:cSld>
+  <p:clrMapOvr>
+    <a:masterClrMapping/>
+  </p:clrMapOvr>
+</p:sld>
+</file>
+
+<file path=ppt/slides/slide16.xml><?xml version="1.0" encoding="utf-8"?>
+<p:sld xmlns:a="http://schemas.openxmlformats.org/drawingml/2006/main" xmlns:r="http://schemas.openxmlformats.org/officeDocument/2006/relationships" xmlns:p="http://schemas.openxmlformats.org/presentationml/2006/main">
+  <p:cSld>
+    <p:spTree>
+      <p:nvGrpSpPr>
+        <p:cNvPr id="1" name=""/>
+        <p:cNvGrpSpPr/>
+        <p:nvPr/>
+      </p:nvGrpSpPr>
+      <p:grpSpPr>
+        <a:xfrm>
+          <a:off x="0" y="0"/>
+          <a:ext cx="0" cy="0"/>
+          <a:chOff x="0" y="0"/>
+          <a:chExt cx="0" cy="0"/>
+        </a:xfrm>
+      </p:grpSpPr>
+      <p:sp>
+        <p:nvSpPr>
+          <p:cNvPr id="2" name="Заголовок 1"/>
+          <p:cNvSpPr>
+            <a:spLocks noGrp="1"/>
+          </p:cNvSpPr>
+          <p:nvPr>
+            <p:ph type="title"/>
+          </p:nvPr>
+        </p:nvSpPr>
+        <p:spPr/>
+        <p:txBody>
+          <a:bodyPr/>
+          <a:lstStyle/>
+          <a:p>
+            <a:pPr algn="l"/>
+            <a:r>
+              <a:rPr lang="uk-UA" dirty="0" smtClean="0">
+                <a:latin typeface="Times New Roman" pitchFamily="18" charset="0"/>
+                <a:cs typeface="Times New Roman" pitchFamily="18" charset="0"/>
+              </a:rPr>
+              <a:t>Висновки:</a:t>
+            </a:r>
+            <a:endParaRPr lang="uk-UA" dirty="0">
+              <a:latin typeface="Times New Roman" pitchFamily="18" charset="0"/>
+              <a:cs typeface="Times New Roman" pitchFamily="18" charset="0"/>
+            </a:endParaRPr>
+          </a:p>
+        </p:txBody>
+      </p:sp>
+      <p:sp>
+        <p:nvSpPr>
+          <p:cNvPr id="3" name="Объект 2"/>
+          <p:cNvSpPr>
+            <a:spLocks noGrp="1"/>
+          </p:cNvSpPr>
+          <p:nvPr>
+            <p:ph idx="1"/>
+          </p:nvPr>
+        </p:nvSpPr>
+        <p:spPr/>
+        <p:txBody>
+          <a:bodyPr/>
+          <a:lstStyle/>
+          <a:p>
+            <a:pPr marL="0" indent="0" algn="just">
+              <a:buNone/>
+            </a:pPr>
+            <a:r>
+              <a:rPr lang="uk-UA" dirty="0" smtClean="0">
+                <a:latin typeface="Times New Roman" pitchFamily="18" charset="0"/>
+                <a:cs typeface="Times New Roman" pitchFamily="18" charset="0"/>
+              </a:rPr>
+              <a:t>на </a:t>
+            </a:r>
+            <a:r>
+              <a:rPr lang="uk-UA" dirty="0">
+                <a:latin typeface="Times New Roman" pitchFamily="18" charset="0"/>
+                <a:cs typeface="Times New Roman" pitchFamily="18" charset="0"/>
+              </a:rPr>
+              <a:t>даній лабораторній роботі, я вивчив основи керування гілками в системі контролю версій </a:t>
+            </a:r>
+            <a:r>
+              <a:rPr lang="en-US" dirty="0" err="1">
+                <a:latin typeface="Times New Roman" pitchFamily="18" charset="0"/>
+                <a:cs typeface="Times New Roman" pitchFamily="18" charset="0"/>
+              </a:rPr>
+              <a:t>git</a:t>
+            </a:r>
+            <a:r>
+              <a:rPr lang="uk-UA" dirty="0">
+                <a:latin typeface="Times New Roman" pitchFamily="18" charset="0"/>
+                <a:cs typeface="Times New Roman" pitchFamily="18" charset="0"/>
+              </a:rPr>
+              <a:t>.</a:t>
+            </a:r>
+            <a:endParaRPr lang="uk-UA" dirty="0">
+              <a:latin typeface="Times New Roman" pitchFamily="18" charset="0"/>
+              <a:cs typeface="Times New Roman" pitchFamily="18" charset="0"/>
+            </a:endParaRPr>
+          </a:p>
+        </p:txBody>
+      </p:sp>
+    </p:spTree>
+    <p:extLst>
+      <p:ext uri="{BB962C8B-B14F-4D97-AF65-F5344CB8AC3E}">
+        <p14:creationId xmlns:p14="http://schemas.microsoft.com/office/powerpoint/2010/main" val="11538159"/>
+      </p:ext>
+    </p:extLst>
+  </p:cSld>
+  <p:clrMapOvr>
+    <a:masterClrMapping/>
+  </p:clrMapOvr>
+  <p:timing>
+    <p:tnLst>
+      <p:par>
+        <p:cTn id="1" dur="indefinite" restart="never" nodeType="tmRoot"/>
+      </p:par>
+    </p:tnLst>
+  </p:timing>
+</p:sld>
+</file>
+
+<file path=ppt/slides/slide17.xml><?xml version="1.0" encoding="utf-8"?>
+<p:sld xmlns:a="http://schemas.openxmlformats.org/drawingml/2006/main" xmlns:r="http://schemas.openxmlformats.org/officeDocument/2006/relationships" xmlns:p="http://schemas.openxmlformats.org/presentationml/2006/main">
+  <p:cSld>
+    <p:spTree>
+      <p:nvGrpSpPr>
+        <p:cNvPr id="1" name=""/>
+        <p:cNvGrpSpPr/>
+        <p:nvPr/>
+      </p:nvGrpSpPr>
+      <p:grpSpPr>
+        <a:xfrm>
+          <a:off x="0" y="0"/>
+          <a:ext cx="0" cy="0"/>
+          <a:chOff x="0" y="0"/>
+          <a:chExt cx="0" cy="0"/>
+        </a:xfrm>
+      </p:grpSpPr>
+      <p:sp>
+        <p:nvSpPr>
+          <p:cNvPr id="2" name="Заголовок 1"/>
+          <p:cNvSpPr>
+            <a:spLocks noGrp="1"/>
+          </p:cNvSpPr>
+          <p:nvPr>
+            <p:ph type="title"/>
+          </p:nvPr>
+        </p:nvSpPr>
+        <p:spPr>
+          <a:xfrm>
+            <a:off x="395536" y="2564904"/>
+            <a:ext cx="8229600" cy="1143000"/>
+          </a:xfrm>
+        </p:spPr>
+        <p:txBody>
+          <a:bodyPr/>
+          <a:lstStyle/>
+          <a:p>
+            <a:r>
+              <a:rPr lang="uk-UA" dirty="0" smtClean="0">
+                <a:latin typeface="Times New Roman" pitchFamily="18" charset="0"/>
+                <a:cs typeface="Times New Roman" pitchFamily="18" charset="0"/>
+              </a:rPr>
+              <a:t>Дякую за увагу</a:t>
+            </a:r>
+            <a:endParaRPr lang="uk-UA" dirty="0">
+              <a:latin typeface="Times New Roman" pitchFamily="18" charset="0"/>
+              <a:cs typeface="Times New Roman" pitchFamily="18" charset="0"/>
+            </a:endParaRPr>
+          </a:p>
+        </p:txBody>
+      </p:sp>
+    </p:spTree>
+    <p:extLst>
+      <p:ext uri="{BB962C8B-B14F-4D97-AF65-F5344CB8AC3E}">
+        <p14:creationId xmlns:p14="http://schemas.microsoft.com/office/powerpoint/2010/main" val="1872317276"/>
+      </p:ext>
+    </p:extLst>
+  </p:cSld>
+  <p:clrMapOvr>
+    <a:masterClrMapping/>
+  </p:clrMapOvr>
+  <p:timing>
+    <p:tnLst>
+      <p:par>
+        <p:cTn id="1" dur="indefinite" restart="never" nodeType="tmRoot"/>
+      </p:par>
+    </p:tnLst>
+  </p:timing>
+</p:sld>
+</file>
+
+<file path=ppt/slides/slide2.xml><?xml version="1.0" encoding="utf-8"?>
+<p:sld xmlns:a="http://schemas.openxmlformats.org/drawingml/2006/main" xmlns:r="http://schemas.openxmlformats.org/officeDocument/2006/relationships" xmlns:p="http://schemas.openxmlformats.org/presentationml/2006/main">
+  <p:cSld>
+    <p:spTree>
+      <p:nvGrpSpPr>
+        <p:cNvPr id="1" name=""/>
+        <p:cNvGrpSpPr/>
+        <p:nvPr/>
+      </p:nvGrpSpPr>
+      <p:grpSpPr>
+        <a:xfrm>
+          <a:off x="0" y="0"/>
+          <a:ext cx="0" cy="0"/>
+          <a:chOff x="0" y="0"/>
+          <a:chExt cx="0" cy="0"/>
+        </a:xfrm>
+      </p:grpSpPr>
+      <p:sp>
+        <p:nvSpPr>
+          <p:cNvPr id="2" name="Заголовок 1"/>
+          <p:cNvSpPr>
+            <a:spLocks noGrp="1"/>
+          </p:cNvSpPr>
+          <p:nvPr>
+            <p:ph type="title"/>
+          </p:nvPr>
+        </p:nvSpPr>
+        <p:spPr/>
+        <p:txBody>
+          <a:bodyPr/>
+          <a:lstStyle/>
+          <a:p>
+            <a:pPr algn="l"/>
+            <a:r>
+              <a:rPr lang="uk-UA" b="1" dirty="0" smtClean="0">
+                <a:latin typeface="Times New Roman" pitchFamily="18" charset="0"/>
+                <a:cs typeface="Times New Roman" pitchFamily="18" charset="0"/>
+              </a:rPr>
+              <a:t>Мета:</a:t>
+            </a:r>
+            <a:endParaRPr lang="uk-UA" dirty="0">
+              <a:latin typeface="Times New Roman" pitchFamily="18" charset="0"/>
+              <a:cs typeface="Times New Roman" pitchFamily="18" charset="0"/>
+            </a:endParaRPr>
+          </a:p>
+        </p:txBody>
+      </p:sp>
+      <p:sp>
+        <p:nvSpPr>
+          <p:cNvPr id="3" name="Объект 2"/>
+          <p:cNvSpPr>
+            <a:spLocks noGrp="1"/>
+          </p:cNvSpPr>
+          <p:nvPr>
+            <p:ph idx="1"/>
+          </p:nvPr>
+        </p:nvSpPr>
+        <p:spPr>
+          <a:xfrm>
+            <a:off x="467544" y="2492897"/>
+            <a:ext cx="8229600" cy="3456384"/>
+          </a:xfrm>
+        </p:spPr>
+        <p:txBody>
+          <a:bodyPr/>
+          <a:lstStyle/>
+          <a:p>
+            <a:pPr marL="0" indent="0">
+              <a:buNone/>
+            </a:pPr>
+            <a:r>
+              <a:rPr lang="uk-UA" dirty="0">
+                <a:latin typeface="Times New Roman" pitchFamily="18" charset="0"/>
+                <a:cs typeface="Times New Roman" pitchFamily="18" charset="0"/>
+              </a:rPr>
+              <a:t>В</a:t>
+            </a:r>
+            <a:r>
+              <a:rPr lang="uk-UA" dirty="0" smtClean="0">
+                <a:latin typeface="Times New Roman" pitchFamily="18" charset="0"/>
+                <a:cs typeface="Times New Roman" pitchFamily="18" charset="0"/>
+              </a:rPr>
+              <a:t>ивчення </a:t>
+            </a:r>
+            <a:r>
+              <a:rPr lang="uk-UA" dirty="0">
+                <a:latin typeface="Times New Roman" pitchFamily="18" charset="0"/>
+                <a:cs typeface="Times New Roman" pitchFamily="18" charset="0"/>
+              </a:rPr>
+              <a:t>основ керування гілками в системі контролю версій </a:t>
+            </a:r>
+            <a:r>
+              <a:rPr lang="en-US" dirty="0" err="1">
+                <a:latin typeface="Times New Roman" pitchFamily="18" charset="0"/>
+                <a:cs typeface="Times New Roman" pitchFamily="18" charset="0"/>
+              </a:rPr>
+              <a:t>git</a:t>
+            </a:r>
+            <a:r>
+              <a:rPr lang="uk-UA" dirty="0">
+                <a:latin typeface="Times New Roman" pitchFamily="18" charset="0"/>
+                <a:cs typeface="Times New Roman" pitchFamily="18" charset="0"/>
+              </a:rPr>
+              <a:t>.</a:t>
+            </a:r>
+          </a:p>
+        </p:txBody>
+      </p:sp>
+    </p:spTree>
+    <p:extLst>
+      <p:ext uri="{BB962C8B-B14F-4D97-AF65-F5344CB8AC3E}">
+        <p14:creationId xmlns:p14="http://schemas.microsoft.com/office/powerpoint/2010/main" val="406901166"/>
+      </p:ext>
+    </p:extLst>
+  </p:cSld>
+  <p:clrMapOvr>
+    <a:masterClrMapping/>
+  </p:clrMapOvr>
+  <p:timing>
+    <p:tnLst>
+      <p:par>
+        <p:cTn id="1" dur="indefinite" restart="never" nodeType="tmRoot"/>
+      </p:par>
+    </p:tnLst>
+  </p:timing>
+</p:sld>
+</file>
+
+<file path=ppt/slides/slide3.xml><?xml version="1.0" encoding="utf-8"?>
+<p:sld xmlns:a="http://schemas.openxmlformats.org/drawingml/2006/main" xmlns:r="http://schemas.openxmlformats.org/officeDocument/2006/relationships" xmlns:p="http://schemas.openxmlformats.org/presentationml/2006/main">
+  <p:cSld>
+    <p:spTree>
+      <p:nvGrpSpPr>
+        <p:cNvPr id="1" name=""/>
+        <p:cNvGrpSpPr/>
+        <p:nvPr/>
+      </p:nvGrpSpPr>
+      <p:grpSpPr>
+        <a:xfrm>
+          <a:off x="0" y="0"/>
+          <a:ext cx="0" cy="0"/>
+          <a:chOff x="0" y="0"/>
+          <a:chExt cx="0" cy="0"/>
+        </a:xfrm>
+      </p:grpSpPr>
+      <p:sp>
+        <p:nvSpPr>
+          <p:cNvPr id="4" name="Заголовок 1"/>
+          <p:cNvSpPr>
+            <a:spLocks noGrp="1"/>
+          </p:cNvSpPr>
+          <p:nvPr>
+            <p:ph type="title"/>
+          </p:nvPr>
+        </p:nvSpPr>
+        <p:spPr>
+          <a:xfrm>
+            <a:off x="467544" y="260648"/>
+            <a:ext cx="8229600" cy="1143000"/>
+          </a:xfrm>
+        </p:spPr>
+        <p:txBody>
+          <a:bodyPr/>
+          <a:lstStyle/>
+          <a:p>
+            <a:pPr algn="just"/>
+            <a:r>
+              <a:rPr lang="uk-UA" dirty="0" smtClean="0">
+                <a:latin typeface="Times New Roman" pitchFamily="18" charset="0"/>
+                <a:cs typeface="Times New Roman" pitchFamily="18" charset="0"/>
+              </a:rPr>
+              <a:t>Виконання завдання</a:t>
+            </a:r>
+            <a:endParaRPr lang="uk-UA" dirty="0">
+              <a:latin typeface="Times New Roman" pitchFamily="18" charset="0"/>
+              <a:cs typeface="Times New Roman" pitchFamily="18" charset="0"/>
+            </a:endParaRPr>
+          </a:p>
+        </p:txBody>
+      </p:sp>
+      <p:sp>
+        <p:nvSpPr>
+          <p:cNvPr id="6" name="Объект 5"/>
+          <p:cNvSpPr>
+            <a:spLocks noGrp="1"/>
+          </p:cNvSpPr>
+          <p:nvPr>
+            <p:ph idx="1"/>
+          </p:nvPr>
+        </p:nvSpPr>
+        <p:spPr/>
+        <p:txBody>
+          <a:bodyPr/>
+          <a:lstStyle/>
+          <a:p>
+            <a:pPr marL="0" indent="0">
+              <a:buNone/>
+            </a:pPr>
+            <a:r>
+              <a:rPr lang="uk-UA" dirty="0" smtClean="0"/>
+              <a:t>Написання коду створення заданих </a:t>
+            </a:r>
+            <a:r>
+              <a:rPr lang="uk-UA" dirty="0" err="1" smtClean="0"/>
+              <a:t>комітів</a:t>
+            </a:r>
+            <a:endParaRPr lang="uk-UA" dirty="0"/>
+          </a:p>
+        </p:txBody>
+      </p:sp>
+      <p:pic>
+        <p:nvPicPr>
+          <p:cNvPr id="1026" name="Picture 2" descr="18333fig0320-tn"/>
+          <p:cNvPicPr>
+            <a:picLocks noChangeAspect="1" noChangeArrowheads="1"/>
+          </p:cNvPicPr>
+          <p:nvPr/>
+        </p:nvPicPr>
+        <p:blipFill>
+          <a:blip r:embed="rId2">
+            <a:extLst>
+              <a:ext uri="{28A0092B-C50C-407E-A947-70E740481C1C}">
+                <a14:useLocalDpi xmlns:a14="http://schemas.microsoft.com/office/drawing/2010/main" val="0"/>
+              </a:ext>
+            </a:extLst>
+          </a:blip>
+          <a:srcRect/>
+          <a:stretch>
+            <a:fillRect/>
+          </a:stretch>
+        </p:blipFill>
+        <p:spPr bwMode="auto">
+          <a:xfrm>
+            <a:off x="2627784" y="2204864"/>
+            <a:ext cx="4029075" cy="4210050"/>
+          </a:xfrm>
+          <a:prstGeom prst="rect">
+            <a:avLst/>
+          </a:prstGeom>
+          <a:noFill/>
+          <a:ln>
+            <a:noFill/>
+          </a:ln>
+          <a:extLst>
+            <a:ext uri="{909E8E84-426E-40DD-AFC4-6F175D3DCCD1}">
+              <a14:hiddenFill xmlns:a14="http://schemas.microsoft.com/office/drawing/2010/main">
+                <a:solidFill>
+                  <a:srgbClr val="FFFFFF"/>
+                </a:solidFill>
+              </a14:hiddenFill>
+            </a:ext>
+            <a:ext uri="{91240B29-F687-4F45-9708-019B960494DF}">
+              <a14:hiddenLine xmlns:a14="http://schemas.microsoft.com/office/drawing/2010/main" w="9525">
+                <a:solidFill>
+                  <a:srgbClr val="000000"/>
+                </a:solidFill>
+                <a:miter lim="800000"/>
+                <a:headEnd/>
+                <a:tailEnd/>
+              </a14:hiddenLine>
+            </a:ext>
+          </a:extLst>
+        </p:spPr>
+      </p:pic>
+    </p:spTree>
+    <p:extLst>
+      <p:ext uri="{BB962C8B-B14F-4D97-AF65-F5344CB8AC3E}">
+        <p14:creationId xmlns:p14="http://schemas.microsoft.com/office/powerpoint/2010/main" val="942837126"/>
+      </p:ext>
+    </p:extLst>
+  </p:cSld>
+  <p:clrMapOvr>
+    <a:masterClrMapping/>
+  </p:clrMapOvr>
+</p:sld>
+</file>
+
+<file path=ppt/slides/slide4.xml><?xml version="1.0" encoding="utf-8"?>
+<p:sld xmlns:a="http://schemas.openxmlformats.org/drawingml/2006/main" xmlns:r="http://schemas.openxmlformats.org/officeDocument/2006/relationships" xmlns:p="http://schemas.openxmlformats.org/presentationml/2006/main">
+  <p:cSld>
+    <p:spTree>
+      <p:nvGrpSpPr>
+        <p:cNvPr id="1" name=""/>
+        <p:cNvGrpSpPr/>
+        <p:nvPr/>
+      </p:nvGrpSpPr>
+      <p:grpSpPr>
+        <a:xfrm>
+          <a:off x="0" y="0"/>
+          <a:ext cx="0" cy="0"/>
+          <a:chOff x="0" y="0"/>
+          <a:chExt cx="0" cy="0"/>
+        </a:xfrm>
+      </p:grpSpPr>
+      <p:sp>
+        <p:nvSpPr>
+          <p:cNvPr id="4" name="Rectangle 2"/>
+          <p:cNvSpPr>
+            <a:spLocks noChangeArrowheads="1"/>
+          </p:cNvSpPr>
+          <p:nvPr/>
+        </p:nvSpPr>
+        <p:spPr bwMode="auto">
+          <a:xfrm>
+            <a:off x="323528" y="933492"/>
+            <a:ext cx="8280920" cy="1415772"/>
+          </a:xfrm>
+          <a:prstGeom prst="rect">
+            <a:avLst/>
+          </a:prstGeom>
+          <a:noFill/>
+          <a:ln>
+            <a:noFill/>
+          </a:ln>
+          <a:effectLst/>
+          <a:extLst>
+            <a:ext uri="{909E8E84-426E-40DD-AFC4-6F175D3DCCD1}">
+              <a14:hiddenFill xmlns:a14="http://schemas.microsoft.com/office/drawing/2010/main">
+                <a:solidFill>
+                  <a:schemeClr val="accent1"/>
+                </a:solidFill>
+              </a14:hiddenFill>
+            </a:ext>
+            <a:ext uri="{91240B29-F687-4F45-9708-019B960494DF}">
+              <a14:hiddenLine xmlns:a14="http://schemas.microsoft.com/office/drawing/2010/main" w="9525">
+                <a:solidFill>
+                  <a:schemeClr val="tx1"/>
+                </a:solidFill>
+                <a:miter lim="800000"/>
+                <a:headEnd/>
+                <a:tailEnd/>
+              </a14:hiddenLine>
+            </a:ext>
+            <a:ext uri="{AF507438-7753-43E0-B8FC-AC1667EBCBE1}">
+              <a14:hiddenEffects xmlns:a14="http://schemas.microsoft.com/office/drawing/2010/main">
+                <a:effectLst>
+                  <a:outerShdw dist="35921" dir="2700000" algn="ctr" rotWithShape="0">
+                    <a:schemeClr val="bg2"/>
+                  </a:outerShdw>
+                </a:effectLst>
+              </a14:hiddenEffects>
+            </a:ext>
+          </a:extLst>
+        </p:spPr>
+        <p:txBody>
+          <a:bodyPr vert="horz" wrap="square" lIns="91440" tIns="45720" rIns="91440" bIns="45720" numCol="1" anchor="ctr" anchorCtr="0" compatLnSpc="1">
+            <a:prstTxWarp prst="textNoShape">
+              <a:avLst/>
+            </a:prstTxWarp>
+            <a:spAutoFit/>
+          </a:bodyPr>
+          <a:lstStyle/>
+          <a:p>
+            <a:pPr marR="0" lvl="0" algn="l" defTabSz="914400" rtl="0" eaLnBrk="1" fontAlgn="base" latinLnBrk="0" hangingPunct="1">
+              <a:lnSpc>
+                <a:spcPct val="100000"/>
+              </a:lnSpc>
+              <a:spcBef>
+                <a:spcPct val="0"/>
+              </a:spcBef>
+              <a:spcAft>
+                <a:spcPct val="0"/>
+              </a:spcAft>
+              <a:buClrTx/>
+              <a:buSzTx/>
+              <a:tabLst/>
+            </a:pPr>
+            <a:r>
+              <a:rPr kumimoji="0" lang="uk-UA" sz="3200" b="0" i="0" u="none" strike="noStrike" cap="none" normalizeH="0" baseline="0" dirty="0" smtClean="0">
+                <a:ln>
+                  <a:noFill/>
+                </a:ln>
+                <a:solidFill>
+                  <a:schemeClr val="tx1"/>
+                </a:solidFill>
+                <a:effectLst/>
+                <a:latin typeface="Times New Roman" pitchFamily="18" charset="0"/>
+                <a:ea typeface="Calibri" pitchFamily="34" charset="0"/>
+                <a:cs typeface="Times New Roman" pitchFamily="18" charset="0"/>
+              </a:rPr>
+              <a:t>1.</a:t>
+            </a:r>
+            <a:r>
+              <a:rPr kumimoji="0" lang="uk-UA" sz="3200" b="0" i="0" u="none" strike="noStrike" cap="none" normalizeH="0" dirty="0" smtClean="0">
+                <a:ln>
+                  <a:noFill/>
+                </a:ln>
+                <a:solidFill>
+                  <a:schemeClr val="tx1"/>
+                </a:solidFill>
+                <a:effectLst/>
+                <a:latin typeface="Times New Roman" pitchFamily="18" charset="0"/>
+                <a:ea typeface="Calibri" pitchFamily="34" charset="0"/>
+                <a:cs typeface="Times New Roman" pitchFamily="18" charset="0"/>
+              </a:rPr>
+              <a:t> </a:t>
+            </a:r>
+            <a:r>
+              <a:rPr kumimoji="0" lang="uk-UA" sz="3200" b="0" i="0" u="none" strike="noStrike" cap="none" normalizeH="0" baseline="0" dirty="0" smtClean="0">
+                <a:ln>
+                  <a:noFill/>
+                </a:ln>
+                <a:solidFill>
+                  <a:schemeClr val="tx1"/>
+                </a:solidFill>
+                <a:effectLst/>
+                <a:latin typeface="Times New Roman" pitchFamily="18" charset="0"/>
+                <a:ea typeface="Calibri" pitchFamily="34" charset="0"/>
+                <a:cs typeface="Times New Roman" pitchFamily="18" charset="0"/>
+              </a:rPr>
+              <a:t>За допомогою команди «</a:t>
+            </a:r>
+            <a:r>
+              <a:rPr kumimoji="0" lang="en-US" sz="3200" b="0" i="0" u="none" strike="noStrike" cap="none" normalizeH="0" baseline="0" dirty="0" err="1" smtClean="0">
+                <a:ln>
+                  <a:noFill/>
+                </a:ln>
+                <a:solidFill>
+                  <a:schemeClr val="tx1"/>
+                </a:solidFill>
+                <a:effectLst/>
+                <a:latin typeface="Times New Roman" pitchFamily="18" charset="0"/>
+                <a:ea typeface="Calibri" pitchFamily="34" charset="0"/>
+                <a:cs typeface="Times New Roman" pitchFamily="18" charset="0"/>
+              </a:rPr>
+              <a:t>git</a:t>
+            </a:r>
+            <a:r>
+              <a:rPr kumimoji="0" lang="en-US" sz="3200" b="0" i="0" u="none" strike="noStrike" cap="none" normalizeH="0" baseline="0" dirty="0" smtClean="0">
+                <a:ln>
+                  <a:noFill/>
+                </a:ln>
+                <a:solidFill>
+                  <a:schemeClr val="tx1"/>
+                </a:solidFill>
+                <a:effectLst/>
+                <a:latin typeface="Times New Roman" pitchFamily="18" charset="0"/>
+                <a:ea typeface="Calibri" pitchFamily="34" charset="0"/>
+                <a:cs typeface="Times New Roman" pitchFamily="18" charset="0"/>
+              </a:rPr>
+              <a:t> </a:t>
+            </a:r>
+            <a:r>
+              <a:rPr kumimoji="0" lang="en-US" sz="3200" b="0" i="0" u="none" strike="noStrike" cap="none" normalizeH="0" baseline="0" dirty="0" err="1" smtClean="0">
+                <a:ln>
+                  <a:noFill/>
+                </a:ln>
+                <a:solidFill>
+                  <a:schemeClr val="tx1"/>
+                </a:solidFill>
+                <a:effectLst/>
+                <a:latin typeface="Times New Roman" pitchFamily="18" charset="0"/>
+                <a:ea typeface="Calibri" pitchFamily="34" charset="0"/>
+                <a:cs typeface="Times New Roman" pitchFamily="18" charset="0"/>
+              </a:rPr>
+              <a:t>init</a:t>
+            </a:r>
+            <a:r>
+              <a:rPr kumimoji="0" lang="uk-UA" sz="3200" b="0" i="0" u="none" strike="noStrike" cap="none" normalizeH="0" baseline="0" dirty="0" smtClean="0">
+                <a:ln>
+                  <a:noFill/>
+                </a:ln>
+                <a:solidFill>
+                  <a:schemeClr val="tx1"/>
+                </a:solidFill>
+                <a:effectLst/>
+                <a:latin typeface="Times New Roman" pitchFamily="18" charset="0"/>
+                <a:ea typeface="Calibri" pitchFamily="34" charset="0"/>
+                <a:cs typeface="Times New Roman" pitchFamily="18" charset="0"/>
+              </a:rPr>
+              <a:t>»</a:t>
+            </a:r>
+            <a:r>
+              <a:rPr kumimoji="0" lang="en-US" sz="3200" b="0" i="0" u="none" strike="noStrike" cap="none" normalizeH="0" baseline="0" dirty="0" smtClean="0">
+                <a:ln>
+                  <a:noFill/>
+                </a:ln>
+                <a:solidFill>
+                  <a:schemeClr val="tx1"/>
+                </a:solidFill>
+                <a:effectLst/>
+                <a:latin typeface="Times New Roman" pitchFamily="18" charset="0"/>
+                <a:ea typeface="Calibri" pitchFamily="34" charset="0"/>
+                <a:cs typeface="Times New Roman" pitchFamily="18" charset="0"/>
+              </a:rPr>
+              <a:t> </a:t>
+            </a:r>
+            <a:r>
+              <a:rPr kumimoji="0" lang="uk-UA" sz="3200" b="0" i="0" u="none" strike="noStrike" cap="none" normalizeH="0" baseline="0" dirty="0" smtClean="0">
+                <a:ln>
+                  <a:noFill/>
+                </a:ln>
+                <a:solidFill>
+                  <a:schemeClr val="tx1"/>
+                </a:solidFill>
+                <a:effectLst/>
+                <a:latin typeface="Times New Roman" pitchFamily="18" charset="0"/>
+                <a:ea typeface="Calibri" pitchFamily="34" charset="0"/>
+                <a:cs typeface="Times New Roman" pitchFamily="18" charset="0"/>
+              </a:rPr>
+              <a:t>починаємо </a:t>
+            </a:r>
+            <a:r>
+              <a:rPr kumimoji="0" lang="uk-UA" sz="3200" b="0" i="0" u="none" strike="noStrike" cap="none" normalizeH="0" baseline="0" dirty="0" err="1" smtClean="0">
+                <a:ln>
+                  <a:noFill/>
+                </a:ln>
+                <a:solidFill>
+                  <a:schemeClr val="tx1"/>
+                </a:solidFill>
+                <a:effectLst/>
+                <a:latin typeface="Times New Roman" pitchFamily="18" charset="0"/>
+                <a:ea typeface="Calibri" pitchFamily="34" charset="0"/>
+                <a:cs typeface="Times New Roman" pitchFamily="18" charset="0"/>
+              </a:rPr>
+              <a:t>відстежування</a:t>
+            </a:r>
+            <a:r>
+              <a:rPr kumimoji="0" lang="uk-UA" sz="3200" b="0" i="0" u="none" strike="noStrike" cap="none" normalizeH="0" baseline="0" dirty="0" smtClean="0">
+                <a:ln>
+                  <a:noFill/>
+                </a:ln>
+                <a:solidFill>
+                  <a:schemeClr val="tx1"/>
+                </a:solidFill>
+                <a:effectLst/>
+                <a:latin typeface="Times New Roman" pitchFamily="18" charset="0"/>
+                <a:ea typeface="Calibri" pitchFamily="34" charset="0"/>
+                <a:cs typeface="Times New Roman" pitchFamily="18" charset="0"/>
+              </a:rPr>
+              <a:t> вибраної директорії </a:t>
+            </a:r>
+            <a:r>
+              <a:rPr kumimoji="0" lang="en-US" sz="3200" b="0" i="0" u="none" strike="noStrike" cap="none" normalizeH="0" baseline="0" dirty="0" err="1" smtClean="0">
+                <a:ln>
+                  <a:noFill/>
+                </a:ln>
+                <a:solidFill>
+                  <a:schemeClr val="tx1"/>
+                </a:solidFill>
+                <a:effectLst/>
+                <a:latin typeface="Times New Roman" pitchFamily="18" charset="0"/>
+                <a:ea typeface="Calibri" pitchFamily="34" charset="0"/>
+                <a:cs typeface="Times New Roman" pitchFamily="18" charset="0"/>
+              </a:rPr>
+              <a:t>Git</a:t>
+            </a:r>
+            <a:r>
+              <a:rPr kumimoji="0" lang="en-US" sz="3200" b="0" i="0" u="none" strike="noStrike" cap="none" normalizeH="0" baseline="0" dirty="0" smtClean="0">
+                <a:ln>
+                  <a:noFill/>
+                </a:ln>
+                <a:solidFill>
+                  <a:schemeClr val="tx1"/>
+                </a:solidFill>
+                <a:effectLst/>
+                <a:latin typeface="Times New Roman" pitchFamily="18" charset="0"/>
+                <a:ea typeface="Calibri" pitchFamily="34" charset="0"/>
+                <a:cs typeface="Times New Roman" pitchFamily="18" charset="0"/>
+              </a:rPr>
+              <a:t>`</a:t>
+            </a:r>
+            <a:r>
+              <a:rPr kumimoji="0" lang="uk-UA" sz="3200" b="0" i="0" u="none" strike="noStrike" cap="none" normalizeH="0" baseline="0" dirty="0" smtClean="0">
+                <a:ln>
+                  <a:noFill/>
+                </a:ln>
+                <a:solidFill>
+                  <a:schemeClr val="tx1"/>
+                </a:solidFill>
+                <a:effectLst/>
+                <a:latin typeface="Times New Roman" pitchFamily="18" charset="0"/>
+                <a:ea typeface="Calibri" pitchFamily="34" charset="0"/>
+                <a:cs typeface="Times New Roman" pitchFamily="18" charset="0"/>
+              </a:rPr>
+              <a:t>ом</a:t>
+            </a:r>
+            <a:endParaRPr kumimoji="0" lang="uk-UA" sz="3200" b="0" i="0" u="none" strike="noStrike" cap="none" normalizeH="0" baseline="0" dirty="0" smtClean="0">
+              <a:ln>
+                <a:noFill/>
+              </a:ln>
+              <a:solidFill>
+                <a:schemeClr val="tx1"/>
+              </a:solidFill>
+              <a:effectLst/>
+              <a:latin typeface="Times New Roman" pitchFamily="18" charset="0"/>
+              <a:cs typeface="Times New Roman" pitchFamily="18" charset="0"/>
+            </a:endParaRPr>
+          </a:p>
+          <a:p>
+            <a:pPr marL="0" marR="0" lvl="0" indent="449263" algn="l" defTabSz="914400" rtl="0" eaLnBrk="0" fontAlgn="base" latinLnBrk="0" hangingPunct="0">
+              <a:lnSpc>
+                <a:spcPct val="100000"/>
+              </a:lnSpc>
+              <a:spcBef>
+                <a:spcPct val="0"/>
+              </a:spcBef>
+              <a:spcAft>
+                <a:spcPct val="0"/>
+              </a:spcAft>
+              <a:buClrTx/>
+              <a:buSzTx/>
+              <a:buFontTx/>
+              <a:buNone/>
+              <a:tabLst/>
+            </a:pPr>
+            <a:endParaRPr kumimoji="0" lang="uk-UA" sz="2200" b="0" i="0" u="none" strike="noStrike" cap="none" normalizeH="0" baseline="0" dirty="0" smtClean="0">
+              <a:ln>
+                <a:noFill/>
+              </a:ln>
+              <a:solidFill>
+                <a:schemeClr val="tx1"/>
+              </a:solidFill>
+              <a:effectLst/>
+              <a:latin typeface="Times New Roman" pitchFamily="18" charset="0"/>
+              <a:cs typeface="Times New Roman" pitchFamily="18" charset="0"/>
+            </a:endParaRPr>
+          </a:p>
+        </p:txBody>
+      </p:sp>
+      <p:pic>
+        <p:nvPicPr>
+          <p:cNvPr id="2049" name="Рисунок 1"/>
+          <p:cNvPicPr>
+            <a:picLocks noChangeAspect="1" noChangeArrowheads="1"/>
+          </p:cNvPicPr>
+          <p:nvPr/>
+        </p:nvPicPr>
+        <p:blipFill>
+          <a:blip r:embed="rId2">
+            <a:extLst>
+              <a:ext uri="{28A0092B-C50C-407E-A947-70E740481C1C}">
+                <a14:useLocalDpi xmlns:a14="http://schemas.microsoft.com/office/drawing/2010/main" val="0"/>
+              </a:ext>
+            </a:extLst>
+          </a:blip>
+          <a:srcRect/>
+          <a:stretch>
+            <a:fillRect/>
+          </a:stretch>
+        </p:blipFill>
+        <p:spPr bwMode="auto">
+          <a:xfrm>
+            <a:off x="539552" y="3068960"/>
+            <a:ext cx="8064896" cy="504056"/>
+          </a:xfrm>
+          <a:prstGeom prst="rect">
+            <a:avLst/>
+          </a:prstGeom>
+          <a:noFill/>
+          <a:extLst>
+            <a:ext uri="{909E8E84-426E-40DD-AFC4-6F175D3DCCD1}">
+              <a14:hiddenFill xmlns:a14="http://schemas.microsoft.com/office/drawing/2010/main">
+                <a:solidFill>
+                  <a:srgbClr val="FFFFFF"/>
+                </a:solidFill>
+              </a14:hiddenFill>
+            </a:ext>
+          </a:extLst>
+        </p:spPr>
+      </p:pic>
+      <p:sp>
+        <p:nvSpPr>
+          <p:cNvPr id="5" name="Rectangle 3"/>
+          <p:cNvSpPr>
+            <a:spLocks noChangeArrowheads="1"/>
+          </p:cNvSpPr>
+          <p:nvPr/>
+        </p:nvSpPr>
+        <p:spPr bwMode="auto">
+          <a:xfrm>
+            <a:off x="0" y="819150"/>
+            <a:ext cx="9144000" cy="0"/>
+          </a:xfrm>
+          <a:prstGeom prst="rect">
+            <a:avLst/>
+          </a:prstGeom>
+          <a:noFill/>
+          <a:ln>
+            <a:noFill/>
+          </a:ln>
+          <a:effectLst/>
+          <a:extLst>
+            <a:ext uri="{909E8E84-426E-40DD-AFC4-6F175D3DCCD1}">
+              <a14:hiddenFill xmlns:a14="http://schemas.microsoft.com/office/drawing/2010/main">
+                <a:solidFill>
+                  <a:schemeClr val="accent1"/>
+                </a:solidFill>
+              </a14:hiddenFill>
+            </a:ext>
+            <a:ext uri="{91240B29-F687-4F45-9708-019B960494DF}">
+              <a14:hiddenLine xmlns:a14="http://schemas.microsoft.com/office/drawing/2010/main" w="9525">
+                <a:solidFill>
+                  <a:schemeClr val="tx1"/>
+                </a:solidFill>
+                <a:miter lim="800000"/>
+                <a:headEnd/>
+                <a:tailEnd/>
+              </a14:hiddenLine>
+            </a:ext>
+            <a:ext uri="{AF507438-7753-43E0-B8FC-AC1667EBCBE1}">
+              <a14:hiddenEffects xmlns:a14="http://schemas.microsoft.com/office/drawing/2010/main">
+                <a:effectLst>
+                  <a:outerShdw dist="35921" dir="2700000" algn="ctr" rotWithShape="0">
+                    <a:schemeClr val="bg2"/>
+                  </a:outerShdw>
+                </a:effectLst>
+              </a14:hiddenEffects>
+            </a:ext>
+          </a:extLst>
+        </p:spPr>
+        <p:txBody>
+          <a:bodyPr vert="horz" wrap="none" lIns="91440" tIns="45720" rIns="91440" bIns="45720" numCol="1" anchor="ctr" anchorCtr="0" compatLnSpc="1">
+            <a:prstTxWarp prst="textNoShape">
+              <a:avLst/>
+            </a:prstTxWarp>
+            <a:spAutoFit/>
+          </a:bodyPr>
+          <a:lstStyle/>
+          <a:p>
+            <a:pPr marL="0" marR="0" lvl="0" indent="0" algn="l" defTabSz="914400" rtl="0" eaLnBrk="1" fontAlgn="base" latinLnBrk="0" hangingPunct="1">
+              <a:lnSpc>
+                <a:spcPct val="100000"/>
+              </a:lnSpc>
+              <a:spcBef>
+                <a:spcPct val="0"/>
+              </a:spcBef>
+              <a:spcAft>
+                <a:spcPct val="0"/>
+              </a:spcAft>
+              <a:buClrTx/>
+              <a:buSzTx/>
+              <a:buFontTx/>
+              <a:buNone/>
+              <a:tabLst/>
+            </a:pPr>
+            <a:endParaRPr kumimoji="0" lang="uk-UA" sz="1800" b="0" i="0" u="none" strike="noStrike" cap="none" normalizeH="0" baseline="0" smtClean="0">
+              <a:ln>
+                <a:noFill/>
+              </a:ln>
+              <a:solidFill>
+                <a:schemeClr val="tx1"/>
+              </a:solidFill>
+              <a:effectLst/>
+              <a:latin typeface="Arial" pitchFamily="34" charset="0"/>
+              <a:cs typeface="Arial" pitchFamily="34" charset="0"/>
+            </a:endParaRPr>
+          </a:p>
+        </p:txBody>
+      </p:sp>
+    </p:spTree>
+    <p:extLst>
+      <p:ext uri="{BB962C8B-B14F-4D97-AF65-F5344CB8AC3E}">
+        <p14:creationId xmlns:p14="http://schemas.microsoft.com/office/powerpoint/2010/main" val="1959509406"/>
+      </p:ext>
+    </p:extLst>
+  </p:cSld>
+  <p:clrMapOvr>
+    <a:masterClrMapping/>
+  </p:clrMapOvr>
+</p:sld>
+</file>
+
+<file path=ppt/slides/slide5.xml><?xml version="1.0" encoding="utf-8"?>
+<p:sld xmlns:a="http://schemas.openxmlformats.org/drawingml/2006/main" xmlns:r="http://schemas.openxmlformats.org/officeDocument/2006/relationships" xmlns:p="http://schemas.openxmlformats.org/presentationml/2006/main">
+  <p:cSld>
+    <p:spTree>
+      <p:nvGrpSpPr>
+        <p:cNvPr id="1" name=""/>
+        <p:cNvGrpSpPr/>
+        <p:nvPr/>
+      </p:nvGrpSpPr>
+      <p:grpSpPr>
+        <a:xfrm>
+          <a:off x="0" y="0"/>
+          <a:ext cx="0" cy="0"/>
+          <a:chOff x="0" y="0"/>
+          <a:chExt cx="0" cy="0"/>
+        </a:xfrm>
+      </p:grpSpPr>
+      <p:sp>
+        <p:nvSpPr>
+          <p:cNvPr id="12" name="Подзаголовок 11"/>
+          <p:cNvSpPr>
+            <a:spLocks noGrp="1"/>
+          </p:cNvSpPr>
+          <p:nvPr>
+            <p:ph type="subTitle" idx="1"/>
+          </p:nvPr>
+        </p:nvSpPr>
+        <p:spPr>
+          <a:xfrm>
+            <a:off x="611560" y="548680"/>
+            <a:ext cx="8064896" cy="5688632"/>
+          </a:xfrm>
+        </p:spPr>
+        <p:txBody>
+          <a:bodyPr>
+            <a:normAutofit fontScale="92500" lnSpcReduction="20000"/>
+          </a:bodyPr>
+          <a:lstStyle/>
+          <a:p>
+            <a:pPr algn="just"/>
+            <a:r>
+              <a:rPr lang="uk-UA" dirty="0" smtClean="0">
+                <a:solidFill>
+                  <a:schemeClr val="tx1"/>
+                </a:solidFill>
+                <a:latin typeface="Times New Roman" pitchFamily="18" charset="0"/>
+                <a:cs typeface="Times New Roman" pitchFamily="18" charset="0"/>
+              </a:rPr>
+              <a:t>2. Переглядаємо </a:t>
+            </a:r>
+            <a:r>
+              <a:rPr lang="uk-UA" dirty="0">
+                <a:solidFill>
+                  <a:schemeClr val="tx1"/>
+                </a:solidFill>
+                <a:latin typeface="Times New Roman" pitchFamily="18" charset="0"/>
+                <a:cs typeface="Times New Roman" pitchFamily="18" charset="0"/>
+              </a:rPr>
+              <a:t>поточний статус у директорії та бачимо що є </a:t>
+            </a:r>
+            <a:r>
+              <a:rPr lang="uk-UA" dirty="0" err="1">
+                <a:solidFill>
+                  <a:schemeClr val="tx1"/>
+                </a:solidFill>
+                <a:latin typeface="Times New Roman" pitchFamily="18" charset="0"/>
+                <a:cs typeface="Times New Roman" pitchFamily="18" charset="0"/>
+              </a:rPr>
+              <a:t>невідстежувані</a:t>
+            </a:r>
+            <a:r>
+              <a:rPr lang="uk-UA" dirty="0">
+                <a:solidFill>
+                  <a:schemeClr val="tx1"/>
+                </a:solidFill>
+                <a:latin typeface="Times New Roman" pitchFamily="18" charset="0"/>
+                <a:cs typeface="Times New Roman" pitchFamily="18" charset="0"/>
+              </a:rPr>
+              <a:t> файли</a:t>
+            </a:r>
+          </a:p>
+          <a:p>
+            <a:pPr algn="just"/>
+            <a:r>
+              <a:rPr lang="uk-UA" dirty="0">
+                <a:solidFill>
+                  <a:schemeClr val="tx1"/>
+                </a:solidFill>
+                <a:latin typeface="Times New Roman" pitchFamily="18" charset="0"/>
+                <a:cs typeface="Times New Roman" pitchFamily="18" charset="0"/>
+              </a:rPr>
+              <a:t>За допомогою команди «</a:t>
+            </a:r>
+            <a:r>
+              <a:rPr lang="en-US" dirty="0" err="1">
+                <a:solidFill>
+                  <a:schemeClr val="tx1"/>
+                </a:solidFill>
+                <a:latin typeface="Times New Roman" pitchFamily="18" charset="0"/>
+                <a:cs typeface="Times New Roman" pitchFamily="18" charset="0"/>
+              </a:rPr>
+              <a:t>git</a:t>
+            </a:r>
+            <a:r>
+              <a:rPr lang="en-US" dirty="0">
+                <a:solidFill>
+                  <a:schemeClr val="tx1"/>
+                </a:solidFill>
+                <a:latin typeface="Times New Roman" pitchFamily="18" charset="0"/>
+                <a:cs typeface="Times New Roman" pitchFamily="18" charset="0"/>
+              </a:rPr>
+              <a:t> add</a:t>
+            </a:r>
+            <a:r>
+              <a:rPr lang="ru-RU" dirty="0">
+                <a:solidFill>
+                  <a:schemeClr val="tx1"/>
+                </a:solidFill>
+                <a:latin typeface="Times New Roman" pitchFamily="18" charset="0"/>
+                <a:cs typeface="Times New Roman" pitchFamily="18" charset="0"/>
+              </a:rPr>
+              <a:t> *</a:t>
+            </a:r>
+            <a:r>
+              <a:rPr lang="uk-UA" dirty="0">
+                <a:solidFill>
+                  <a:schemeClr val="tx1"/>
+                </a:solidFill>
+                <a:latin typeface="Times New Roman" pitchFamily="18" charset="0"/>
+                <a:cs typeface="Times New Roman" pitchFamily="18" charset="0"/>
+              </a:rPr>
+              <a:t>» додаємо всі файли до відстеження</a:t>
+            </a:r>
+          </a:p>
+          <a:p>
+            <a:pPr algn="just"/>
+            <a:r>
+              <a:rPr lang="uk-UA" dirty="0">
+                <a:solidFill>
+                  <a:schemeClr val="tx1"/>
+                </a:solidFill>
+                <a:latin typeface="Times New Roman" pitchFamily="18" charset="0"/>
+                <a:cs typeface="Times New Roman" pitchFamily="18" charset="0"/>
+              </a:rPr>
+              <a:t>Переглядаємо поточний статус у директорії та бачимо що всі файли відстежуються, проте «</a:t>
+            </a:r>
+            <a:r>
+              <a:rPr lang="uk-UA" dirty="0" err="1">
+                <a:solidFill>
+                  <a:schemeClr val="tx1"/>
+                </a:solidFill>
+                <a:latin typeface="Times New Roman" pitchFamily="18" charset="0"/>
+                <a:cs typeface="Times New Roman" pitchFamily="18" charset="0"/>
+              </a:rPr>
+              <a:t>незакомічені</a:t>
+            </a:r>
+            <a:r>
+              <a:rPr lang="uk-UA" dirty="0">
+                <a:solidFill>
+                  <a:schemeClr val="tx1"/>
+                </a:solidFill>
+                <a:latin typeface="Times New Roman" pitchFamily="18" charset="0"/>
+                <a:cs typeface="Times New Roman" pitchFamily="18" charset="0"/>
+              </a:rPr>
+              <a:t>».</a:t>
+            </a:r>
+          </a:p>
+          <a:p>
+            <a:pPr algn="just"/>
+            <a:r>
+              <a:rPr lang="uk-UA" dirty="0">
+                <a:solidFill>
+                  <a:schemeClr val="tx1"/>
+                </a:solidFill>
+                <a:latin typeface="Times New Roman" pitchFamily="18" charset="0"/>
+                <a:cs typeface="Times New Roman" pitchFamily="18" charset="0"/>
+              </a:rPr>
+              <a:t>За допомогою команди «</a:t>
+            </a:r>
+            <a:r>
+              <a:rPr lang="en-US" dirty="0" err="1">
+                <a:solidFill>
+                  <a:schemeClr val="tx1"/>
+                </a:solidFill>
+                <a:latin typeface="Times New Roman" pitchFamily="18" charset="0"/>
+                <a:cs typeface="Times New Roman" pitchFamily="18" charset="0"/>
+              </a:rPr>
+              <a:t>git</a:t>
+            </a:r>
+            <a:r>
+              <a:rPr lang="en-US" dirty="0">
+                <a:solidFill>
+                  <a:schemeClr val="tx1"/>
+                </a:solidFill>
+                <a:latin typeface="Times New Roman" pitchFamily="18" charset="0"/>
+                <a:cs typeface="Times New Roman" pitchFamily="18" charset="0"/>
+              </a:rPr>
+              <a:t> commit</a:t>
+            </a:r>
+            <a:r>
+              <a:rPr lang="ru-RU" dirty="0">
+                <a:solidFill>
+                  <a:schemeClr val="tx1"/>
+                </a:solidFill>
+                <a:latin typeface="Times New Roman" pitchFamily="18" charset="0"/>
+                <a:cs typeface="Times New Roman" pitchFamily="18" charset="0"/>
+              </a:rPr>
+              <a:t> –</a:t>
+            </a:r>
+            <a:r>
+              <a:rPr lang="en-US" dirty="0">
+                <a:solidFill>
+                  <a:schemeClr val="tx1"/>
+                </a:solidFill>
+                <a:latin typeface="Times New Roman" pitchFamily="18" charset="0"/>
+                <a:cs typeface="Times New Roman" pitchFamily="18" charset="0"/>
+              </a:rPr>
+              <a:t>m</a:t>
+            </a:r>
+            <a:r>
+              <a:rPr lang="ru-RU" dirty="0">
+                <a:solidFill>
+                  <a:schemeClr val="tx1"/>
+                </a:solidFill>
+                <a:latin typeface="Times New Roman" pitchFamily="18" charset="0"/>
+                <a:cs typeface="Times New Roman" pitchFamily="18" charset="0"/>
+              </a:rPr>
+              <a:t> “</a:t>
+            </a:r>
+            <a:r>
+              <a:rPr lang="en-US" dirty="0">
+                <a:solidFill>
+                  <a:schemeClr val="tx1"/>
+                </a:solidFill>
+                <a:latin typeface="Times New Roman" pitchFamily="18" charset="0"/>
+                <a:cs typeface="Times New Roman" pitchFamily="18" charset="0"/>
+              </a:rPr>
+              <a:t>C</a:t>
+            </a:r>
+            <a:r>
+              <a:rPr lang="ru-RU" dirty="0">
+                <a:solidFill>
+                  <a:schemeClr val="tx1"/>
+                </a:solidFill>
+                <a:latin typeface="Times New Roman" pitchFamily="18" charset="0"/>
+                <a:cs typeface="Times New Roman" pitchFamily="18" charset="0"/>
+              </a:rPr>
+              <a:t>0”</a:t>
+            </a:r>
+            <a:r>
+              <a:rPr lang="uk-UA" dirty="0">
+                <a:solidFill>
+                  <a:schemeClr val="tx1"/>
+                </a:solidFill>
+                <a:latin typeface="Times New Roman" pitchFamily="18" charset="0"/>
+                <a:cs typeface="Times New Roman" pitchFamily="18" charset="0"/>
+              </a:rPr>
+              <a:t>»</a:t>
+            </a:r>
+            <a:r>
+              <a:rPr lang="ru-RU" dirty="0">
+                <a:solidFill>
+                  <a:schemeClr val="tx1"/>
+                </a:solidFill>
+                <a:latin typeface="Times New Roman" pitchFamily="18" charset="0"/>
+                <a:cs typeface="Times New Roman" pitchFamily="18" charset="0"/>
+              </a:rPr>
+              <a:t> «</a:t>
+            </a:r>
+            <a:r>
+              <a:rPr lang="uk-UA" dirty="0" err="1">
+                <a:solidFill>
+                  <a:schemeClr val="tx1"/>
+                </a:solidFill>
+                <a:latin typeface="Times New Roman" pitchFamily="18" charset="0"/>
+                <a:cs typeface="Times New Roman" pitchFamily="18" charset="0"/>
+              </a:rPr>
+              <a:t>комітимо</a:t>
+            </a:r>
+            <a:r>
+              <a:rPr lang="uk-UA" dirty="0">
+                <a:solidFill>
+                  <a:schemeClr val="tx1"/>
+                </a:solidFill>
+                <a:latin typeface="Times New Roman" pitchFamily="18" charset="0"/>
+                <a:cs typeface="Times New Roman" pitchFamily="18" charset="0"/>
+              </a:rPr>
+              <a:t>» поточний стан директорії та файлів у </a:t>
+            </a:r>
+            <a:r>
+              <a:rPr lang="uk-UA" dirty="0" err="1">
+                <a:solidFill>
+                  <a:schemeClr val="tx1"/>
+                </a:solidFill>
+                <a:latin typeface="Times New Roman" pitchFamily="18" charset="0"/>
+                <a:cs typeface="Times New Roman" pitchFamily="18" charset="0"/>
+              </a:rPr>
+              <a:t>коміт</a:t>
+            </a:r>
+            <a:r>
+              <a:rPr lang="uk-UA" dirty="0">
+                <a:solidFill>
+                  <a:schemeClr val="tx1"/>
+                </a:solidFill>
+                <a:latin typeface="Times New Roman" pitchFamily="18" charset="0"/>
+                <a:cs typeface="Times New Roman" pitchFamily="18" charset="0"/>
+              </a:rPr>
+              <a:t> «С0»</a:t>
+            </a:r>
+          </a:p>
+          <a:p>
+            <a:pPr algn="just"/>
+            <a:r>
+              <a:rPr lang="uk-UA" dirty="0">
+                <a:solidFill>
+                  <a:schemeClr val="tx1"/>
+                </a:solidFill>
+                <a:latin typeface="Times New Roman" pitchFamily="18" charset="0"/>
+                <a:cs typeface="Times New Roman" pitchFamily="18" charset="0"/>
+              </a:rPr>
+              <a:t>Переглядаємо поточний статус у директорії та бачимо що всі файли відстежуються та немає «</a:t>
+            </a:r>
+            <a:r>
+              <a:rPr lang="uk-UA" dirty="0" err="1">
+                <a:solidFill>
+                  <a:schemeClr val="tx1"/>
+                </a:solidFill>
+                <a:latin typeface="Times New Roman" pitchFamily="18" charset="0"/>
+                <a:cs typeface="Times New Roman" pitchFamily="18" charset="0"/>
+              </a:rPr>
+              <a:t>незакомічених</a:t>
+            </a:r>
+            <a:r>
+              <a:rPr lang="uk-UA" dirty="0">
+                <a:solidFill>
+                  <a:schemeClr val="tx1"/>
+                </a:solidFill>
+                <a:latin typeface="Times New Roman" pitchFamily="18" charset="0"/>
+                <a:cs typeface="Times New Roman" pitchFamily="18" charset="0"/>
+              </a:rPr>
+              <a:t>» змін</a:t>
+            </a:r>
+          </a:p>
+          <a:p>
+            <a:pPr algn="just"/>
+            <a:endParaRPr lang="uk-UA" dirty="0">
+              <a:solidFill>
+                <a:schemeClr val="tx1"/>
+              </a:solidFill>
+              <a:latin typeface="Times New Roman" pitchFamily="18" charset="0"/>
+              <a:cs typeface="Times New Roman" pitchFamily="18" charset="0"/>
+            </a:endParaRPr>
+          </a:p>
+        </p:txBody>
+      </p:sp>
+    </p:spTree>
+    <p:extLst>
+      <p:ext uri="{BB962C8B-B14F-4D97-AF65-F5344CB8AC3E}">
+        <p14:creationId xmlns:p14="http://schemas.microsoft.com/office/powerpoint/2010/main" val="2445263539"/>
+      </p:ext>
+    </p:extLst>
+  </p:cSld>
+  <p:clrMapOvr>
+    <a:masterClrMapping/>
+  </p:clrMapOvr>
+</p:sld>
+</file>
+
+<file path=ppt/slides/slide6.xml><?xml version="1.0" encoding="utf-8"?>
+<p:sld xmlns:a="http://schemas.openxmlformats.org/drawingml/2006/main" xmlns:r="http://schemas.openxmlformats.org/officeDocument/2006/relationships" xmlns:p="http://schemas.openxmlformats.org/presentationml/2006/main">
+  <p:cSld>
+    <p:spTree>
+      <p:nvGrpSpPr>
+        <p:cNvPr id="1" name=""/>
+        <p:cNvGrpSpPr/>
+        <p:nvPr/>
+      </p:nvGrpSpPr>
+      <p:grpSpPr>
+        <a:xfrm>
+          <a:off x="0" y="0"/>
+          <a:ext cx="0" cy="0"/>
+          <a:chOff x="0" y="0"/>
+          <a:chExt cx="0" cy="0"/>
+        </a:xfrm>
+      </p:grpSpPr>
+      <p:pic>
+        <p:nvPicPr>
+          <p:cNvPr id="12289" name="Picture 1"/>
+          <p:cNvPicPr>
+            <a:picLocks noChangeAspect="1" noChangeArrowheads="1"/>
+          </p:cNvPicPr>
+          <p:nvPr/>
+        </p:nvPicPr>
+        <p:blipFill>
+          <a:blip r:embed="rId2">
+            <a:extLst>
+              <a:ext uri="{28A0092B-C50C-407E-A947-70E740481C1C}">
+                <a14:useLocalDpi xmlns:a14="http://schemas.microsoft.com/office/drawing/2010/main" val="0"/>
+              </a:ext>
+            </a:extLst>
+          </a:blip>
+          <a:srcRect/>
+          <a:stretch>
+            <a:fillRect/>
+          </a:stretch>
+        </p:blipFill>
+        <p:spPr bwMode="auto">
+          <a:xfrm>
+            <a:off x="899592" y="208439"/>
+            <a:ext cx="7776865" cy="6256909"/>
+          </a:xfrm>
+          <a:prstGeom prst="rect">
+            <a:avLst/>
+          </a:prstGeom>
+          <a:noFill/>
+          <a:ln>
+            <a:noFill/>
+          </a:ln>
+          <a:effectLst/>
+          <a:extLst>
+            <a:ext uri="{909E8E84-426E-40DD-AFC4-6F175D3DCCD1}">
+              <a14:hiddenFill xmlns:a14="http://schemas.microsoft.com/office/drawing/2010/main">
+                <a:solidFill>
+                  <a:schemeClr val="accent1"/>
+                </a:solidFill>
+              </a14:hiddenFill>
+            </a:ext>
+            <a:ext uri="{91240B29-F687-4F45-9708-019B960494DF}">
+              <a14:hiddenLine xmlns:a14="http://schemas.microsoft.com/office/drawing/2010/main" w="9525">
+                <a:solidFill>
+                  <a:schemeClr val="tx1"/>
+                </a:solidFill>
+                <a:miter lim="800000"/>
+                <a:headEnd/>
+                <a:tailEnd/>
+              </a14:hiddenLine>
+            </a:ext>
+            <a:ext uri="{AF507438-7753-43E0-B8FC-AC1667EBCBE1}">
+              <a14:hiddenEffects xmlns:a14="http://schemas.microsoft.com/office/drawing/2010/main">
+                <a:effectLst>
+                  <a:outerShdw dist="35921" dir="2700000" algn="ctr" rotWithShape="0">
+                    <a:schemeClr val="bg2"/>
+                  </a:outerShdw>
+                </a:effectLst>
+              </a14:hiddenEffects>
+            </a:ext>
+          </a:extLst>
+        </p:spPr>
+      </p:pic>
+    </p:spTree>
+    <p:extLst>
+      <p:ext uri="{BB962C8B-B14F-4D97-AF65-F5344CB8AC3E}">
+        <p14:creationId xmlns:p14="http://schemas.microsoft.com/office/powerpoint/2010/main" val="3803685582"/>
+      </p:ext>
+    </p:extLst>
+  </p:cSld>
+  <p:clrMapOvr>
+    <a:masterClrMapping/>
+  </p:clrMapOvr>
+</p:sld>
+</file>
+
+<file path=ppt/slides/slide7.xml><?xml version="1.0" encoding="utf-8"?>
+<p:sld xmlns:a="http://schemas.openxmlformats.org/drawingml/2006/main" xmlns:r="http://schemas.openxmlformats.org/officeDocument/2006/relationships" xmlns:p="http://schemas.openxmlformats.org/presentationml/2006/main">
+  <p:cSld>
+    <p:spTree>
+      <p:nvGrpSpPr>
+        <p:cNvPr id="1" name=""/>
+        <p:cNvGrpSpPr/>
+        <p:nvPr/>
+      </p:nvGrpSpPr>
+      <p:grpSpPr>
+        <a:xfrm>
+          <a:off x="0" y="0"/>
+          <a:ext cx="0" cy="0"/>
+          <a:chOff x="0" y="0"/>
+          <a:chExt cx="0" cy="0"/>
+        </a:xfrm>
+      </p:grpSpPr>
+      <p:pic>
+        <p:nvPicPr>
+          <p:cNvPr id="11265" name="Рисунок 9"/>
+          <p:cNvPicPr>
+            <a:picLocks noChangeAspect="1" noChangeArrowheads="1"/>
+          </p:cNvPicPr>
+          <p:nvPr/>
+        </p:nvPicPr>
+        <p:blipFill>
+          <a:blip r:embed="rId2">
+            <a:extLst>
+              <a:ext uri="{28A0092B-C50C-407E-A947-70E740481C1C}">
+                <a14:useLocalDpi xmlns:a14="http://schemas.microsoft.com/office/drawing/2010/main" val="0"/>
+              </a:ext>
+            </a:extLst>
+          </a:blip>
+          <a:srcRect r="21638"/>
+          <a:stretch>
+            <a:fillRect/>
+          </a:stretch>
+        </p:blipFill>
+        <p:spPr bwMode="auto">
+          <a:xfrm>
+            <a:off x="755576" y="3161638"/>
+            <a:ext cx="8062214" cy="1008112"/>
+          </a:xfrm>
+          <a:prstGeom prst="rect">
+            <a:avLst/>
+          </a:prstGeom>
+          <a:noFill/>
+          <a:ln>
+            <a:noFill/>
+          </a:ln>
+          <a:extLst>
+            <a:ext uri="{909E8E84-426E-40DD-AFC4-6F175D3DCCD1}">
+              <a14:hiddenFill xmlns:a14="http://schemas.microsoft.com/office/drawing/2010/main">
+                <a:solidFill>
+                  <a:srgbClr val="FFFFFF"/>
+                </a:solidFill>
+              </a14:hiddenFill>
+            </a:ext>
+            <a:ext uri="{91240B29-F687-4F45-9708-019B960494DF}">
+              <a14:hiddenLine xmlns:a14="http://schemas.microsoft.com/office/drawing/2010/main" w="9525">
+                <a:solidFill>
+                  <a:srgbClr val="000000"/>
+                </a:solidFill>
+                <a:miter lim="800000"/>
+                <a:headEnd/>
+                <a:tailEnd/>
+              </a14:hiddenLine>
+            </a:ext>
+          </a:extLst>
+        </p:spPr>
+      </p:pic>
+      <p:sp>
+        <p:nvSpPr>
+          <p:cNvPr id="2" name="Заголовок 1"/>
+          <p:cNvSpPr>
+            <a:spLocks noGrp="1"/>
+          </p:cNvSpPr>
+          <p:nvPr>
+            <p:ph type="title"/>
+          </p:nvPr>
+        </p:nvSpPr>
+        <p:spPr>
+          <a:xfrm>
+            <a:off x="671883" y="1484784"/>
+            <a:ext cx="8229600" cy="1143000"/>
+          </a:xfrm>
+        </p:spPr>
+        <p:txBody>
+          <a:bodyPr>
+            <a:normAutofit fontScale="90000"/>
+          </a:bodyPr>
+          <a:lstStyle/>
+          <a:p>
+            <a:pPr lvl="0" algn="l"/>
+            <a:r>
+              <a:rPr lang="uk-UA" sz="3600" dirty="0" smtClean="0">
+                <a:latin typeface="Times New Roman" pitchFamily="18" charset="0"/>
+                <a:cs typeface="Times New Roman" pitchFamily="18" charset="0"/>
+              </a:rPr>
+              <a:t>3. Додаємо </a:t>
+            </a:r>
+            <a:r>
+              <a:rPr lang="uk-UA" sz="3600" dirty="0">
+                <a:latin typeface="Times New Roman" pitchFamily="18" charset="0"/>
+                <a:cs typeface="Times New Roman" pitchFamily="18" charset="0"/>
+              </a:rPr>
+              <a:t>новий файл до директорії</a:t>
+            </a:r>
+            <a:br>
+              <a:rPr lang="uk-UA" sz="3600" dirty="0">
+                <a:latin typeface="Times New Roman" pitchFamily="18" charset="0"/>
+                <a:cs typeface="Times New Roman" pitchFamily="18" charset="0"/>
+              </a:rPr>
+            </a:br>
+            <a:r>
+              <a:rPr lang="uk-UA" sz="3600" dirty="0">
+                <a:latin typeface="Times New Roman" pitchFamily="18" charset="0"/>
+                <a:cs typeface="Times New Roman" pitchFamily="18" charset="0"/>
+              </a:rPr>
+              <a:t>Створюємо </a:t>
+            </a:r>
+            <a:r>
+              <a:rPr lang="uk-UA" sz="3600" dirty="0" err="1">
+                <a:latin typeface="Times New Roman" pitchFamily="18" charset="0"/>
+                <a:cs typeface="Times New Roman" pitchFamily="18" charset="0"/>
+              </a:rPr>
+              <a:t>коміт</a:t>
+            </a:r>
+            <a:r>
+              <a:rPr lang="uk-UA" sz="3600" dirty="0">
+                <a:latin typeface="Times New Roman" pitchFamily="18" charset="0"/>
+                <a:cs typeface="Times New Roman" pitchFamily="18" charset="0"/>
+              </a:rPr>
+              <a:t> «С1»</a:t>
+            </a:r>
+            <a:r>
+              <a:rPr lang="uk-UA" dirty="0"/>
+              <a:t/>
+            </a:r>
+            <a:br>
+              <a:rPr lang="uk-UA" dirty="0"/>
+            </a:br>
+            <a:endParaRPr lang="uk-UA" dirty="0"/>
+          </a:p>
+        </p:txBody>
+      </p:sp>
+    </p:spTree>
+    <p:extLst>
+      <p:ext uri="{BB962C8B-B14F-4D97-AF65-F5344CB8AC3E}">
+        <p14:creationId xmlns:p14="http://schemas.microsoft.com/office/powerpoint/2010/main" val="2532991741"/>
+      </p:ext>
+    </p:extLst>
+  </p:cSld>
+  <p:clrMapOvr>
+    <a:masterClrMapping/>
+  </p:clrMapOvr>
+</p:sld>
+</file>
+
+<file path=ppt/slides/slide8.xml><?xml version="1.0" encoding="utf-8"?>
+<p:sld xmlns:a="http://schemas.openxmlformats.org/drawingml/2006/main" xmlns:r="http://schemas.openxmlformats.org/officeDocument/2006/relationships" xmlns:p="http://schemas.openxmlformats.org/presentationml/2006/main">
+  <p:cSld>
+    <p:spTree>
+      <p:nvGrpSpPr>
+        <p:cNvPr id="1" name=""/>
+        <p:cNvGrpSpPr/>
+        <p:nvPr/>
+      </p:nvGrpSpPr>
+      <p:grpSpPr>
+        <a:xfrm>
+          <a:off x="0" y="0"/>
+          <a:ext cx="0" cy="0"/>
+          <a:chOff x="0" y="0"/>
+          <a:chExt cx="0" cy="0"/>
+        </a:xfrm>
+      </p:grpSpPr>
+      <p:pic>
+        <p:nvPicPr>
+          <p:cNvPr id="10242" name="Рисунок 10"/>
+          <p:cNvPicPr>
+            <a:picLocks noChangeAspect="1" noChangeArrowheads="1"/>
+          </p:cNvPicPr>
+          <p:nvPr/>
+        </p:nvPicPr>
+        <p:blipFill>
+          <a:blip r:embed="rId2">
+            <a:extLst>
+              <a:ext uri="{28A0092B-C50C-407E-A947-70E740481C1C}">
+                <a14:useLocalDpi xmlns:a14="http://schemas.microsoft.com/office/drawing/2010/main" val="0"/>
+              </a:ext>
+            </a:extLst>
+          </a:blip>
+          <a:srcRect r="31046"/>
+          <a:stretch>
+            <a:fillRect/>
+          </a:stretch>
+        </p:blipFill>
+        <p:spPr bwMode="auto">
+          <a:xfrm>
+            <a:off x="497633" y="1545159"/>
+            <a:ext cx="8100592" cy="678104"/>
+          </a:xfrm>
+          <a:prstGeom prst="rect">
+            <a:avLst/>
+          </a:prstGeom>
+          <a:noFill/>
+          <a:extLst>
+            <a:ext uri="{909E8E84-426E-40DD-AFC4-6F175D3DCCD1}">
+              <a14:hiddenFill xmlns:a14="http://schemas.microsoft.com/office/drawing/2010/main">
+                <a:solidFill>
+                  <a:srgbClr val="FFFFFF"/>
+                </a:solidFill>
+              </a14:hiddenFill>
+            </a:ext>
+          </a:extLst>
+        </p:spPr>
+      </p:pic>
+      <p:pic>
+        <p:nvPicPr>
+          <p:cNvPr id="10241" name="Рисунок 11"/>
+          <p:cNvPicPr>
+            <a:picLocks noChangeAspect="1" noChangeArrowheads="1"/>
+          </p:cNvPicPr>
+          <p:nvPr/>
+        </p:nvPicPr>
+        <p:blipFill>
+          <a:blip r:embed="rId3">
+            <a:extLst>
+              <a:ext uri="{28A0092B-C50C-407E-A947-70E740481C1C}">
+                <a14:useLocalDpi xmlns:a14="http://schemas.microsoft.com/office/drawing/2010/main" val="0"/>
+              </a:ext>
+            </a:extLst>
+          </a:blip>
+          <a:srcRect/>
+          <a:stretch>
+            <a:fillRect/>
+          </a:stretch>
+        </p:blipFill>
+        <p:spPr bwMode="auto">
+          <a:xfrm>
+            <a:off x="475639" y="4437112"/>
+            <a:ext cx="8316924" cy="792088"/>
+          </a:xfrm>
+          <a:prstGeom prst="rect">
+            <a:avLst/>
+          </a:prstGeom>
+          <a:noFill/>
+          <a:extLst>
+            <a:ext uri="{909E8E84-426E-40DD-AFC4-6F175D3DCCD1}">
+              <a14:hiddenFill xmlns:a14="http://schemas.microsoft.com/office/drawing/2010/main">
+                <a:solidFill>
+                  <a:srgbClr val="FFFFFF"/>
+                </a:solidFill>
+              </a14:hiddenFill>
+            </a:ext>
+          </a:extLst>
+        </p:spPr>
+      </p:pic>
+      <p:sp>
+        <p:nvSpPr>
+          <p:cNvPr id="3" name="Rectangle 4"/>
+          <p:cNvSpPr>
+            <a:spLocks noChangeArrowheads="1"/>
+          </p:cNvSpPr>
+          <p:nvPr/>
+        </p:nvSpPr>
+        <p:spPr bwMode="auto">
+          <a:xfrm>
+            <a:off x="457200" y="809625"/>
+            <a:ext cx="9144000" cy="0"/>
+          </a:xfrm>
+          <a:prstGeom prst="rect">
+            <a:avLst/>
+          </a:prstGeom>
+          <a:noFill/>
+          <a:ln>
+            <a:noFill/>
+          </a:ln>
+          <a:effectLst/>
+          <a:extLst>
+            <a:ext uri="{909E8E84-426E-40DD-AFC4-6F175D3DCCD1}">
+              <a14:hiddenFill xmlns:a14="http://schemas.microsoft.com/office/drawing/2010/main">
+                <a:solidFill>
+                  <a:schemeClr val="accent1"/>
+                </a:solidFill>
+              </a14:hiddenFill>
+            </a:ext>
+            <a:ext uri="{91240B29-F687-4F45-9708-019B960494DF}">
+              <a14:hiddenLine xmlns:a14="http://schemas.microsoft.com/office/drawing/2010/main" w="9525">
+                <a:solidFill>
+                  <a:schemeClr val="tx1"/>
+                </a:solidFill>
+                <a:miter lim="800000"/>
+                <a:headEnd/>
+                <a:tailEnd/>
+              </a14:hiddenLine>
+            </a:ext>
+            <a:ext uri="{AF507438-7753-43E0-B8FC-AC1667EBCBE1}">
+              <a14:hiddenEffects xmlns:a14="http://schemas.microsoft.com/office/drawing/2010/main">
+                <a:effectLst>
+                  <a:outerShdw dist="35921" dir="2700000" algn="ctr" rotWithShape="0">
+                    <a:schemeClr val="bg2"/>
+                  </a:outerShdw>
+                </a:effectLst>
+              </a14:hiddenEffects>
+            </a:ext>
+          </a:extLst>
+        </p:spPr>
+        <p:txBody>
+          <a:bodyPr vert="horz" wrap="none" lIns="91440" tIns="45720" rIns="91440" bIns="45720" numCol="1" anchor="ctr" anchorCtr="0" compatLnSpc="1">
+            <a:prstTxWarp prst="textNoShape">
+              <a:avLst/>
+            </a:prstTxWarp>
+            <a:spAutoFit/>
+          </a:bodyPr>
+          <a:lstStyle/>
+          <a:p>
+            <a:pPr marL="0" marR="0" lvl="0" indent="0" algn="l" defTabSz="914400" rtl="0" eaLnBrk="1" fontAlgn="base" latinLnBrk="0" hangingPunct="1">
+              <a:lnSpc>
+                <a:spcPct val="100000"/>
+              </a:lnSpc>
+              <a:spcBef>
+                <a:spcPct val="0"/>
+              </a:spcBef>
+              <a:spcAft>
+                <a:spcPct val="0"/>
+              </a:spcAft>
+              <a:buClrTx/>
+              <a:buSzTx/>
+              <a:buFontTx/>
+              <a:buNone/>
+              <a:tabLst/>
+            </a:pPr>
+            <a:endParaRPr kumimoji="0" lang="uk-UA" sz="1800" b="0" i="0" u="none" strike="noStrike" cap="none" normalizeH="0" baseline="0" smtClean="0">
+              <a:ln>
+                <a:noFill/>
+              </a:ln>
+              <a:solidFill>
+                <a:schemeClr val="tx1"/>
+              </a:solidFill>
+              <a:effectLst/>
+              <a:latin typeface="Arial" pitchFamily="34" charset="0"/>
+              <a:cs typeface="Arial" pitchFamily="34" charset="0"/>
+            </a:endParaRPr>
+          </a:p>
+        </p:txBody>
+      </p:sp>
+      <p:sp>
+        <p:nvSpPr>
+          <p:cNvPr id="5" name="Прямоугольник 4"/>
+          <p:cNvSpPr/>
+          <p:nvPr/>
+        </p:nvSpPr>
+        <p:spPr>
+          <a:xfrm>
+            <a:off x="497633" y="2924944"/>
+            <a:ext cx="6553852" cy="1077218"/>
+          </a:xfrm>
+          <a:prstGeom prst="rect">
+            <a:avLst/>
+          </a:prstGeom>
+        </p:spPr>
+        <p:txBody>
+          <a:bodyPr wrap="square">
+            <a:spAutoFit/>
+          </a:bodyPr>
+          <a:lstStyle/>
+          <a:p>
+            <a:r>
+              <a:rPr lang="uk-UA" sz="3200" dirty="0">
+                <a:latin typeface="Times New Roman" pitchFamily="18" charset="0"/>
+                <a:cs typeface="Times New Roman" pitchFamily="18" charset="0"/>
+              </a:rPr>
+              <a:t>Робимо зміни в одному із файлів.</a:t>
+            </a:r>
+          </a:p>
+          <a:p>
+            <a:r>
+              <a:rPr lang="uk-UA" sz="3200" dirty="0" smtClean="0">
+                <a:latin typeface="Times New Roman" pitchFamily="18" charset="0"/>
+                <a:cs typeface="Times New Roman" pitchFamily="18" charset="0"/>
+              </a:rPr>
+              <a:t>Створюємо </a:t>
+            </a:r>
+            <a:r>
+              <a:rPr lang="uk-UA" sz="3200" dirty="0" err="1">
+                <a:latin typeface="Times New Roman" pitchFamily="18" charset="0"/>
+                <a:cs typeface="Times New Roman" pitchFamily="18" charset="0"/>
+              </a:rPr>
+              <a:t>коміт</a:t>
+            </a:r>
+            <a:r>
+              <a:rPr lang="uk-UA" sz="3200" dirty="0">
+                <a:latin typeface="Times New Roman" pitchFamily="18" charset="0"/>
+                <a:cs typeface="Times New Roman" pitchFamily="18" charset="0"/>
+              </a:rPr>
+              <a:t> «С2»</a:t>
+            </a:r>
+          </a:p>
+        </p:txBody>
+      </p:sp>
+      <p:sp>
+        <p:nvSpPr>
+          <p:cNvPr id="6" name="Прямоугольник 5"/>
+          <p:cNvSpPr/>
+          <p:nvPr/>
+        </p:nvSpPr>
+        <p:spPr>
+          <a:xfrm>
+            <a:off x="316723" y="404664"/>
+            <a:ext cx="8579296" cy="584775"/>
+          </a:xfrm>
+          <a:prstGeom prst="rect">
+            <a:avLst/>
+          </a:prstGeom>
+        </p:spPr>
+        <p:txBody>
+          <a:bodyPr wrap="square">
+            <a:spAutoFit/>
+          </a:bodyPr>
+          <a:lstStyle/>
+          <a:p>
+            <a:pPr lvl="0"/>
+            <a:r>
+              <a:rPr lang="uk-UA" sz="3200" dirty="0" smtClean="0">
+                <a:latin typeface="Times New Roman" pitchFamily="18" charset="0"/>
+                <a:cs typeface="Times New Roman" pitchFamily="18" charset="0"/>
+              </a:rPr>
+              <a:t>4. Створюємо </a:t>
+            </a:r>
+            <a:r>
+              <a:rPr lang="uk-UA" sz="3200" dirty="0">
+                <a:latin typeface="Times New Roman" pitchFamily="18" charset="0"/>
+                <a:cs typeface="Times New Roman" pitchFamily="18" charset="0"/>
+              </a:rPr>
+              <a:t>та переходимо на нову гілку </a:t>
+            </a:r>
+            <a:r>
+              <a:rPr lang="en-US" sz="3200" dirty="0" err="1">
+                <a:latin typeface="Times New Roman" pitchFamily="18" charset="0"/>
+                <a:cs typeface="Times New Roman" pitchFamily="18" charset="0"/>
+              </a:rPr>
+              <a:t>iss</a:t>
+            </a:r>
+            <a:r>
+              <a:rPr lang="ru-RU" sz="3200" dirty="0" smtClean="0">
+                <a:latin typeface="Times New Roman" pitchFamily="18" charset="0"/>
+                <a:cs typeface="Times New Roman" pitchFamily="18" charset="0"/>
+              </a:rPr>
+              <a:t>91</a:t>
+            </a:r>
+            <a:endParaRPr lang="uk-UA" sz="3200" dirty="0">
+              <a:latin typeface="Times New Roman" pitchFamily="18" charset="0"/>
+              <a:cs typeface="Times New Roman" pitchFamily="18" charset="0"/>
+            </a:endParaRPr>
+          </a:p>
+        </p:txBody>
+      </p:sp>
+    </p:spTree>
+    <p:extLst>
+      <p:ext uri="{BB962C8B-B14F-4D97-AF65-F5344CB8AC3E}">
+        <p14:creationId xmlns:p14="http://schemas.microsoft.com/office/powerpoint/2010/main" val="2498481140"/>
+      </p:ext>
+    </p:extLst>
+  </p:cSld>
+  <p:clrMapOvr>
+    <a:masterClrMapping/>
+  </p:clrMapOvr>
+</p:sld>
+</file>
+
+<file path=ppt/slides/slide9.xml><?xml version="1.0" encoding="utf-8"?>
+<p:sld xmlns:a="http://schemas.openxmlformats.org/drawingml/2006/main" xmlns:r="http://schemas.openxmlformats.org/officeDocument/2006/relationships" xmlns:p="http://schemas.openxmlformats.org/presentationml/2006/main">
+  <p:cSld>
+    <p:spTree>
+      <p:nvGrpSpPr>
+        <p:cNvPr id="1" name=""/>
+        <p:cNvGrpSpPr/>
+        <p:nvPr/>
+      </p:nvGrpSpPr>
+      <p:grpSpPr>
+        <a:xfrm>
+          <a:off x="0" y="0"/>
+          <a:ext cx="0" cy="0"/>
+          <a:chOff x="0" y="0"/>
+          <a:chExt cx="0" cy="0"/>
+        </a:xfrm>
+      </p:grpSpPr>
+      <p:pic>
+        <p:nvPicPr>
+          <p:cNvPr id="9218" name="Рисунок 12"/>
+          <p:cNvPicPr>
+            <a:picLocks noChangeAspect="1" noChangeArrowheads="1"/>
+          </p:cNvPicPr>
+          <p:nvPr/>
+        </p:nvPicPr>
+        <p:blipFill>
+          <a:blip r:embed="rId2">
+            <a:extLst>
+              <a:ext uri="{28A0092B-C50C-407E-A947-70E740481C1C}">
+                <a14:useLocalDpi xmlns:a14="http://schemas.microsoft.com/office/drawing/2010/main" val="0"/>
+              </a:ext>
+            </a:extLst>
+          </a:blip>
+          <a:srcRect/>
+          <a:stretch>
+            <a:fillRect/>
+          </a:stretch>
+        </p:blipFill>
+        <p:spPr bwMode="auto">
+          <a:xfrm>
+            <a:off x="549122" y="1664786"/>
+            <a:ext cx="7980282" cy="674390"/>
+          </a:xfrm>
+          <a:prstGeom prst="rect">
+            <a:avLst/>
+          </a:prstGeom>
+          <a:noFill/>
+          <a:extLst>
+            <a:ext uri="{909E8E84-426E-40DD-AFC4-6F175D3DCCD1}">
+              <a14:hiddenFill xmlns:a14="http://schemas.microsoft.com/office/drawing/2010/main">
+                <a:solidFill>
+                  <a:srgbClr val="FFFFFF"/>
+                </a:solidFill>
+              </a14:hiddenFill>
+            </a:ext>
+          </a:extLst>
+        </p:spPr>
+      </p:pic>
+      <p:pic>
+        <p:nvPicPr>
+          <p:cNvPr id="9217" name="Рисунок 13"/>
+          <p:cNvPicPr>
+            <a:picLocks noChangeAspect="1" noChangeArrowheads="1"/>
+          </p:cNvPicPr>
+          <p:nvPr/>
+        </p:nvPicPr>
+        <p:blipFill>
+          <a:blip r:embed="rId3">
+            <a:extLst>
+              <a:ext uri="{28A0092B-C50C-407E-A947-70E740481C1C}">
+                <a14:useLocalDpi xmlns:a14="http://schemas.microsoft.com/office/drawing/2010/main" val="0"/>
+              </a:ext>
+            </a:extLst>
+          </a:blip>
+          <a:srcRect/>
+          <a:stretch>
+            <a:fillRect/>
+          </a:stretch>
+        </p:blipFill>
+        <p:spPr bwMode="auto">
+          <a:xfrm>
+            <a:off x="451393" y="4293096"/>
+            <a:ext cx="8375084" cy="864096"/>
+          </a:xfrm>
+          <a:prstGeom prst="rect">
+            <a:avLst/>
+          </a:prstGeom>
+          <a:noFill/>
+          <a:extLst>
+            <a:ext uri="{909E8E84-426E-40DD-AFC4-6F175D3DCCD1}">
+              <a14:hiddenFill xmlns:a14="http://schemas.microsoft.com/office/drawing/2010/main">
+                <a:solidFill>
+                  <a:srgbClr val="FFFFFF"/>
+                </a:solidFill>
+              </a14:hiddenFill>
+            </a:ext>
+          </a:extLst>
+        </p:spPr>
+      </p:pic>
+      <p:sp>
+        <p:nvSpPr>
+          <p:cNvPr id="2" name="Rectangle 3"/>
+          <p:cNvSpPr>
+            <a:spLocks noChangeArrowheads="1"/>
+          </p:cNvSpPr>
+          <p:nvPr/>
+        </p:nvSpPr>
+        <p:spPr bwMode="auto">
+          <a:xfrm>
+            <a:off x="0" y="0"/>
+            <a:ext cx="9144000" cy="457200"/>
+          </a:xfrm>
+          <a:prstGeom prst="rect">
+            <a:avLst/>
+          </a:prstGeom>
+          <a:noFill/>
+          <a:ln>
+            <a:noFill/>
+          </a:ln>
+          <a:effectLst/>
+          <a:extLst>
+            <a:ext uri="{909E8E84-426E-40DD-AFC4-6F175D3DCCD1}">
+              <a14:hiddenFill xmlns:a14="http://schemas.microsoft.com/office/drawing/2010/main">
+                <a:solidFill>
+                  <a:schemeClr val="accent1"/>
+                </a:solidFill>
+              </a14:hiddenFill>
+            </a:ext>
+            <a:ext uri="{91240B29-F687-4F45-9708-019B960494DF}">
+              <a14:hiddenLine xmlns:a14="http://schemas.microsoft.com/office/drawing/2010/main" w="9525">
+                <a:solidFill>
+                  <a:schemeClr val="tx1"/>
+                </a:solidFill>
+                <a:miter lim="800000"/>
+                <a:headEnd/>
+                <a:tailEnd/>
+              </a14:hiddenLine>
+            </a:ext>
+            <a:ext uri="{AF507438-7753-43E0-B8FC-AC1667EBCBE1}">
+              <a14:hiddenEffects xmlns:a14="http://schemas.microsoft.com/office/drawing/2010/main">
+                <a:effectLst>
+                  <a:outerShdw dist="35921" dir="2700000" algn="ctr" rotWithShape="0">
+                    <a:schemeClr val="bg2"/>
+                  </a:outerShdw>
+                </a:effectLst>
+              </a14:hiddenEffects>
+            </a:ext>
+          </a:extLst>
+        </p:spPr>
+        <p:txBody>
+          <a:bodyPr vert="horz" wrap="none" lIns="91440" tIns="45720" rIns="91440" bIns="45720" numCol="1" anchor="ctr" anchorCtr="0" compatLnSpc="1">
+            <a:prstTxWarp prst="textNoShape">
+              <a:avLst/>
+            </a:prstTxWarp>
+            <a:spAutoFit/>
+          </a:bodyPr>
+          <a:lstStyle/>
+          <a:p>
+            <a:endParaRPr lang="uk-UA"/>
+          </a:p>
+        </p:txBody>
+      </p:sp>
+      <p:sp>
+        <p:nvSpPr>
+          <p:cNvPr id="3" name="Rectangle 4"/>
+          <p:cNvSpPr>
+            <a:spLocks noChangeArrowheads="1"/>
+          </p:cNvSpPr>
+          <p:nvPr/>
+        </p:nvSpPr>
+        <p:spPr bwMode="auto">
+          <a:xfrm>
+            <a:off x="457200" y="800100"/>
+            <a:ext cx="9144000" cy="0"/>
+          </a:xfrm>
+          <a:prstGeom prst="rect">
+            <a:avLst/>
+          </a:prstGeom>
+          <a:noFill/>
+          <a:ln>
+            <a:noFill/>
+          </a:ln>
+          <a:effectLst/>
+          <a:extLst>
+            <a:ext uri="{909E8E84-426E-40DD-AFC4-6F175D3DCCD1}">
+              <a14:hiddenFill xmlns:a14="http://schemas.microsoft.com/office/drawing/2010/main">
+                <a:solidFill>
+                  <a:schemeClr val="accent1"/>
+                </a:solidFill>
+              </a14:hiddenFill>
+            </a:ext>
+            <a:ext uri="{91240B29-F687-4F45-9708-019B960494DF}">
+              <a14:hiddenLine xmlns:a14="http://schemas.microsoft.com/office/drawing/2010/main" w="9525">
+                <a:solidFill>
+                  <a:schemeClr val="tx1"/>
+                </a:solidFill>
+                <a:miter lim="800000"/>
+                <a:headEnd/>
+                <a:tailEnd/>
+              </a14:hiddenLine>
+            </a:ext>
+            <a:ext uri="{AF507438-7753-43E0-B8FC-AC1667EBCBE1}">
+              <a14:hiddenEffects xmlns:a14="http://schemas.microsoft.com/office/drawing/2010/main">
+                <a:effectLst>
+                  <a:outerShdw dist="35921" dir="2700000" algn="ctr" rotWithShape="0">
+                    <a:schemeClr val="bg2"/>
+                  </a:outerShdw>
+                </a:effectLst>
+              </a14:hiddenEffects>
+            </a:ext>
+          </a:extLst>
+        </p:spPr>
+        <p:txBody>
+          <a:bodyPr vert="horz" wrap="none" lIns="91440" tIns="45720" rIns="91440" bIns="45720" numCol="1" anchor="ctr" anchorCtr="0" compatLnSpc="1">
+            <a:prstTxWarp prst="textNoShape">
+              <a:avLst/>
+            </a:prstTxWarp>
+            <a:spAutoFit/>
+          </a:bodyPr>
+          <a:lstStyle/>
+          <a:p>
+            <a:pPr marL="0" marR="0" lvl="0" indent="0" algn="l" defTabSz="914400" rtl="0" eaLnBrk="1" fontAlgn="base" latinLnBrk="0" hangingPunct="1">
+              <a:lnSpc>
+                <a:spcPct val="100000"/>
+              </a:lnSpc>
+              <a:spcBef>
+                <a:spcPct val="0"/>
+              </a:spcBef>
+              <a:spcAft>
+                <a:spcPct val="0"/>
+              </a:spcAft>
+              <a:buClrTx/>
+              <a:buSzTx/>
+              <a:buFontTx/>
+              <a:buNone/>
+              <a:tabLst/>
+            </a:pPr>
+            <a:endParaRPr kumimoji="0" lang="uk-UA" sz="1800" b="0" i="0" u="none" strike="noStrike" cap="none" normalizeH="0" baseline="0" smtClean="0">
+              <a:ln>
+                <a:noFill/>
+              </a:ln>
+              <a:solidFill>
+                <a:schemeClr val="tx1"/>
+              </a:solidFill>
+              <a:effectLst/>
+              <a:latin typeface="Arial" pitchFamily="34" charset="0"/>
+              <a:cs typeface="Arial" pitchFamily="34" charset="0"/>
+            </a:endParaRPr>
+          </a:p>
+        </p:txBody>
+      </p:sp>
+      <p:sp>
+        <p:nvSpPr>
+          <p:cNvPr id="4" name="Rectangle 5"/>
+          <p:cNvSpPr>
+            <a:spLocks noChangeArrowheads="1"/>
+          </p:cNvSpPr>
+          <p:nvPr/>
+        </p:nvSpPr>
+        <p:spPr bwMode="auto">
+          <a:xfrm>
+            <a:off x="457200" y="1295400"/>
+            <a:ext cx="9144000" cy="0"/>
+          </a:xfrm>
+          <a:prstGeom prst="rect">
+            <a:avLst/>
+          </a:prstGeom>
+          <a:noFill/>
+          <a:ln>
+            <a:noFill/>
+          </a:ln>
+          <a:effectLst/>
+          <a:extLst>
+            <a:ext uri="{909E8E84-426E-40DD-AFC4-6F175D3DCCD1}">
+              <a14:hiddenFill xmlns:a14="http://schemas.microsoft.com/office/drawing/2010/main">
+                <a:solidFill>
+                  <a:schemeClr val="accent1"/>
+                </a:solidFill>
+              </a14:hiddenFill>
+            </a:ext>
+            <a:ext uri="{91240B29-F687-4F45-9708-019B960494DF}">
+              <a14:hiddenLine xmlns:a14="http://schemas.microsoft.com/office/drawing/2010/main" w="9525">
+                <a:solidFill>
+                  <a:schemeClr val="tx1"/>
+                </a:solidFill>
+                <a:miter lim="800000"/>
+                <a:headEnd/>
+                <a:tailEnd/>
+              </a14:hiddenLine>
+            </a:ext>
+            <a:ext uri="{AF507438-7753-43E0-B8FC-AC1667EBCBE1}">
+              <a14:hiddenEffects xmlns:a14="http://schemas.microsoft.com/office/drawing/2010/main">
+                <a:effectLst>
+                  <a:outerShdw dist="35921" dir="2700000" algn="ctr" rotWithShape="0">
+                    <a:schemeClr val="bg2"/>
+                  </a:outerShdw>
+                </a:effectLst>
+              </a14:hiddenEffects>
+            </a:ext>
+          </a:extLst>
+        </p:spPr>
+        <p:txBody>
+          <a:bodyPr vert="horz" wrap="none" lIns="91440" tIns="45720" rIns="91440" bIns="45720" numCol="1" anchor="ctr" anchorCtr="0" compatLnSpc="1">
+            <a:prstTxWarp prst="textNoShape">
+              <a:avLst/>
+            </a:prstTxWarp>
+            <a:spAutoFit/>
+          </a:bodyPr>
+          <a:lstStyle/>
+          <a:p>
+            <a:pPr marL="0" marR="0" lvl="0" indent="0" algn="l" defTabSz="914400" rtl="0" eaLnBrk="1" fontAlgn="base" latinLnBrk="0" hangingPunct="1">
+              <a:lnSpc>
+                <a:spcPct val="100000"/>
+              </a:lnSpc>
+              <a:spcBef>
+                <a:spcPct val="0"/>
+              </a:spcBef>
+              <a:spcAft>
+                <a:spcPct val="0"/>
+              </a:spcAft>
+              <a:buClrTx/>
+              <a:buSzTx/>
+              <a:buFontTx/>
+              <a:buNone/>
+              <a:tabLst/>
+            </a:pPr>
+            <a:endParaRPr kumimoji="0" lang="uk-UA" sz="1800" b="0" i="0" u="none" strike="noStrike" cap="none" normalizeH="0" baseline="0" smtClean="0">
+              <a:ln>
+                <a:noFill/>
+              </a:ln>
+              <a:solidFill>
+                <a:schemeClr val="tx1"/>
+              </a:solidFill>
+              <a:effectLst/>
+              <a:latin typeface="Arial" pitchFamily="34" charset="0"/>
+              <a:cs typeface="Arial" pitchFamily="34" charset="0"/>
+            </a:endParaRPr>
+          </a:p>
+        </p:txBody>
+      </p:sp>
+      <p:sp>
+        <p:nvSpPr>
+          <p:cNvPr id="5" name="Прямоугольник 4"/>
+          <p:cNvSpPr/>
+          <p:nvPr/>
+        </p:nvSpPr>
+        <p:spPr>
+          <a:xfrm>
+            <a:off x="585271" y="2780928"/>
+            <a:ext cx="5802807" cy="1077218"/>
+          </a:xfrm>
+          <a:prstGeom prst="rect">
+            <a:avLst/>
+          </a:prstGeom>
+        </p:spPr>
+        <p:txBody>
+          <a:bodyPr wrap="none">
+            <a:spAutoFit/>
+          </a:bodyPr>
+          <a:lstStyle/>
+          <a:p>
+            <a:r>
+              <a:rPr lang="uk-UA" sz="3200" dirty="0">
+                <a:latin typeface="Times New Roman" pitchFamily="18" charset="0"/>
+                <a:cs typeface="Times New Roman" pitchFamily="18" charset="0"/>
+              </a:rPr>
+              <a:t>Робимо зміни в одному з файлів</a:t>
+            </a:r>
+          </a:p>
+          <a:p>
+            <a:r>
+              <a:rPr lang="uk-UA" sz="3200" dirty="0" smtClean="0">
+                <a:latin typeface="Times New Roman" pitchFamily="18" charset="0"/>
+                <a:cs typeface="Times New Roman" pitchFamily="18" charset="0"/>
+              </a:rPr>
+              <a:t>Створюємо </a:t>
+            </a:r>
+            <a:r>
+              <a:rPr lang="uk-UA" sz="3200" dirty="0" err="1">
+                <a:latin typeface="Times New Roman" pitchFamily="18" charset="0"/>
+                <a:cs typeface="Times New Roman" pitchFamily="18" charset="0"/>
+              </a:rPr>
+              <a:t>коміт</a:t>
+            </a:r>
+            <a:r>
+              <a:rPr lang="uk-UA" sz="3200" dirty="0">
+                <a:latin typeface="Times New Roman" pitchFamily="18" charset="0"/>
+                <a:cs typeface="Times New Roman" pitchFamily="18" charset="0"/>
+              </a:rPr>
+              <a:t> «С3»</a:t>
+            </a:r>
+          </a:p>
+        </p:txBody>
+      </p:sp>
+      <p:sp>
+        <p:nvSpPr>
+          <p:cNvPr id="6" name="Прямоугольник 5"/>
+          <p:cNvSpPr/>
+          <p:nvPr/>
+        </p:nvSpPr>
+        <p:spPr>
+          <a:xfrm>
+            <a:off x="457200" y="373575"/>
+            <a:ext cx="8177683" cy="584775"/>
+          </a:xfrm>
+          <a:prstGeom prst="rect">
+            <a:avLst/>
+          </a:prstGeom>
+        </p:spPr>
+        <p:txBody>
+          <a:bodyPr wrap="square">
+            <a:spAutoFit/>
+          </a:bodyPr>
+          <a:lstStyle/>
+          <a:p>
+            <a:pPr lvl="0"/>
+            <a:r>
+              <a:rPr lang="uk-UA" sz="3200" dirty="0" smtClean="0">
+                <a:latin typeface="Times New Roman" pitchFamily="18" charset="0"/>
+                <a:cs typeface="Times New Roman" pitchFamily="18" charset="0"/>
+              </a:rPr>
+              <a:t>5. Повертаємось </a:t>
+            </a:r>
+            <a:r>
+              <a:rPr lang="uk-UA" sz="3200" dirty="0">
+                <a:latin typeface="Times New Roman" pitchFamily="18" charset="0"/>
+                <a:cs typeface="Times New Roman" pitchFamily="18" charset="0"/>
+              </a:rPr>
+              <a:t>на гілку </a:t>
+            </a:r>
+            <a:r>
+              <a:rPr lang="en-US" sz="3200" dirty="0">
+                <a:latin typeface="Times New Roman" pitchFamily="18" charset="0"/>
+                <a:cs typeface="Times New Roman" pitchFamily="18" charset="0"/>
+              </a:rPr>
+              <a:t>master </a:t>
+            </a:r>
+            <a:endParaRPr lang="uk-UA" sz="3200" dirty="0">
+              <a:latin typeface="Times New Roman" pitchFamily="18" charset="0"/>
+              <a:cs typeface="Times New Roman" pitchFamily="18" charset="0"/>
+            </a:endParaRPr>
+          </a:p>
+        </p:txBody>
+      </p:sp>
+    </p:spTree>
+    <p:extLst>
+      <p:ext uri="{BB962C8B-B14F-4D97-AF65-F5344CB8AC3E}">
+        <p14:creationId xmlns:p14="http://schemas.microsoft.com/office/powerpoint/2010/main" val="131215207"/>
+      </p:ext>
+    </p:extLst>
+  </p:cSld>
+  <p:clrMapOvr>
+    <a:masterClrMapping/>
+  </p:clrMapOvr>
+</p:sld>
 </file>
 
 <file path=ppt/theme/theme1.xml><?xml version="1.0" encoding="utf-8"?>
